--- a/docs/diagrams/HighLevelLogicParser.pptx
+++ b/docs/diagrams/HighLevelLogicParser.pptx
@@ -104,6 +104,11 @@
       </a:defRPr>
     </a:lvl9pPr>
   </p:defaultTextStyle>
+  <p:extLst>
+    <p:ext uri="{EFAFB233-063F-42B5-8137-9DF3F51BA10A}">
+      <p15:sldGuideLst xmlns:p15="http://schemas.microsoft.com/office/powerpoint/2012/main"/>
+    </p:ext>
+  </p:extLst>
 </p:presentation>
 </file>
 
@@ -256,7 +261,7 @@
           <a:p>
             <a:fld id="{7C26C74D-6DF6-6B4D-B084-5898D6865C96}" type="datetimeFigureOut">
               <a:rPr lang="en-US" smtClean="0"/>
-              <a:t>10/22/19</a:t>
+              <a:t>10/31/19</a:t>
             </a:fld>
             <a:endParaRPr lang="en-US"/>
           </a:p>
@@ -456,7 +461,7 @@
           <a:p>
             <a:fld id="{7C26C74D-6DF6-6B4D-B084-5898D6865C96}" type="datetimeFigureOut">
               <a:rPr lang="en-US" smtClean="0"/>
-              <a:t>10/22/19</a:t>
+              <a:t>10/31/19</a:t>
             </a:fld>
             <a:endParaRPr lang="en-US"/>
           </a:p>
@@ -666,7 +671,7 @@
           <a:p>
             <a:fld id="{7C26C74D-6DF6-6B4D-B084-5898D6865C96}" type="datetimeFigureOut">
               <a:rPr lang="en-US" smtClean="0"/>
-              <a:t>10/22/19</a:t>
+              <a:t>10/31/19</a:t>
             </a:fld>
             <a:endParaRPr lang="en-US"/>
           </a:p>
@@ -866,7 +871,7 @@
           <a:p>
             <a:fld id="{7C26C74D-6DF6-6B4D-B084-5898D6865C96}" type="datetimeFigureOut">
               <a:rPr lang="en-US" smtClean="0"/>
-              <a:t>10/22/19</a:t>
+              <a:t>10/31/19</a:t>
             </a:fld>
             <a:endParaRPr lang="en-US"/>
           </a:p>
@@ -1142,7 +1147,7 @@
           <a:p>
             <a:fld id="{7C26C74D-6DF6-6B4D-B084-5898D6865C96}" type="datetimeFigureOut">
               <a:rPr lang="en-US" smtClean="0"/>
-              <a:t>10/22/19</a:t>
+              <a:t>10/31/19</a:t>
             </a:fld>
             <a:endParaRPr lang="en-US"/>
           </a:p>
@@ -1410,7 +1415,7 @@
           <a:p>
             <a:fld id="{7C26C74D-6DF6-6B4D-B084-5898D6865C96}" type="datetimeFigureOut">
               <a:rPr lang="en-US" smtClean="0"/>
-              <a:t>10/22/19</a:t>
+              <a:t>10/31/19</a:t>
             </a:fld>
             <a:endParaRPr lang="en-US"/>
           </a:p>
@@ -1825,7 +1830,7 @@
           <a:p>
             <a:fld id="{7C26C74D-6DF6-6B4D-B084-5898D6865C96}" type="datetimeFigureOut">
               <a:rPr lang="en-US" smtClean="0"/>
-              <a:t>10/22/19</a:t>
+              <a:t>10/31/19</a:t>
             </a:fld>
             <a:endParaRPr lang="en-US"/>
           </a:p>
@@ -1967,7 +1972,7 @@
           <a:p>
             <a:fld id="{7C26C74D-6DF6-6B4D-B084-5898D6865C96}" type="datetimeFigureOut">
               <a:rPr lang="en-US" smtClean="0"/>
-              <a:t>10/22/19</a:t>
+              <a:t>10/31/19</a:t>
             </a:fld>
             <a:endParaRPr lang="en-US"/>
           </a:p>
@@ -2080,7 +2085,7 @@
           <a:p>
             <a:fld id="{7C26C74D-6DF6-6B4D-B084-5898D6865C96}" type="datetimeFigureOut">
               <a:rPr lang="en-US" smtClean="0"/>
-              <a:t>10/22/19</a:t>
+              <a:t>10/31/19</a:t>
             </a:fld>
             <a:endParaRPr lang="en-US"/>
           </a:p>
@@ -2393,7 +2398,7 @@
           <a:p>
             <a:fld id="{7C26C74D-6DF6-6B4D-B084-5898D6865C96}" type="datetimeFigureOut">
               <a:rPr lang="en-US" smtClean="0"/>
-              <a:t>10/22/19</a:t>
+              <a:t>10/31/19</a:t>
             </a:fld>
             <a:endParaRPr lang="en-US"/>
           </a:p>
@@ -2682,7 +2687,7 @@
           <a:p>
             <a:fld id="{7C26C74D-6DF6-6B4D-B084-5898D6865C96}" type="datetimeFigureOut">
               <a:rPr lang="en-US" smtClean="0"/>
-              <a:t>10/22/19</a:t>
+              <a:t>10/31/19</a:t>
             </a:fld>
             <a:endParaRPr lang="en-US"/>
           </a:p>
@@ -2925,7 +2930,7 @@
           <a:p>
             <a:fld id="{7C26C74D-6DF6-6B4D-B084-5898D6865C96}" type="datetimeFigureOut">
               <a:rPr lang="en-US" smtClean="0"/>
-              <a:t>10/22/19</a:t>
+              <a:t>10/31/19</a:t>
             </a:fld>
             <a:endParaRPr lang="en-US"/>
           </a:p>
@@ -3344,10 +3349,10 @@
       </p:grpSpPr>
       <p:grpSp>
         <p:nvGrpSpPr>
-          <p:cNvPr id="21" name="Group 20">
+          <p:cNvPr id="73" name="Group 72">
             <a:extLst>
               <a:ext uri="{FF2B5EF4-FFF2-40B4-BE49-F238E27FC236}">
-                <a16:creationId xmlns:a16="http://schemas.microsoft.com/office/drawing/2014/main" id="{1C14B870-3DE7-8847-A697-92C4F6034BC0}"/>
+                <a16:creationId xmlns:a16="http://schemas.microsoft.com/office/drawing/2014/main" id="{8CD1DA81-E95C-014B-A298-BC1034F4C4A5}"/>
               </a:ext>
             </a:extLst>
           </p:cNvPr>
@@ -3356,18 +3361,18 @@
         </p:nvGrpSpPr>
         <p:grpSpPr>
           <a:xfrm>
-            <a:off x="383233" y="264953"/>
-            <a:ext cx="11425533" cy="6309109"/>
-            <a:chOff x="383233" y="264953"/>
-            <a:chExt cx="11425533" cy="6309109"/>
+            <a:off x="383233" y="248117"/>
+            <a:ext cx="11425533" cy="6325945"/>
+            <a:chOff x="383233" y="248117"/>
+            <a:chExt cx="11425533" cy="6325945"/>
           </a:xfrm>
         </p:grpSpPr>
         <p:sp>
           <p:nvSpPr>
-            <p:cNvPr id="22" name="Rounded Rectangle 21">
+            <p:cNvPr id="74" name="Rounded Rectangle 73">
               <a:extLst>
                 <a:ext uri="{FF2B5EF4-FFF2-40B4-BE49-F238E27FC236}">
-                  <a16:creationId xmlns:a16="http://schemas.microsoft.com/office/drawing/2014/main" id="{6BC89A9E-874D-A048-945B-C209D58F27D5}"/>
+                  <a16:creationId xmlns:a16="http://schemas.microsoft.com/office/drawing/2014/main" id="{642D835F-C010-4445-9709-6D9005BB5D0B}"/>
                 </a:ext>
               </a:extLst>
             </p:cNvPr>
@@ -3421,16 +3426,16 @@
             <a:lstStyle/>
             <a:p>
               <a:pPr algn="ctr"/>
-              <a:endParaRPr lang="en-US" dirty="0"/>
+              <a:endParaRPr lang="en-US"/>
             </a:p>
           </p:txBody>
         </p:sp>
         <p:sp>
           <p:nvSpPr>
-            <p:cNvPr id="23" name="Rounded Rectangle 22">
+            <p:cNvPr id="75" name="Rounded Rectangle 74">
               <a:extLst>
                 <a:ext uri="{FF2B5EF4-FFF2-40B4-BE49-F238E27FC236}">
-                  <a16:creationId xmlns:a16="http://schemas.microsoft.com/office/drawing/2014/main" id="{E2A4A441-1989-C946-88B4-F5C073232CAF}"/>
+                  <a16:creationId xmlns:a16="http://schemas.microsoft.com/office/drawing/2014/main" id="{25100EBC-BCCA-7541-B2E4-2E3C2E911AB9}"/>
                 </a:ext>
               </a:extLst>
             </p:cNvPr>
@@ -3478,7 +3483,7 @@
             <a:p>
               <a:pPr algn="ctr"/>
               <a:r>
-                <a:rPr lang="en-US" sz="1300" dirty="0" err="1">
+                <a:rPr lang="en-US" sz="1300">
                   <a:solidFill>
                     <a:schemeClr val="tx1"/>
                   </a:solidFill>
@@ -3487,91 +3492,15 @@
                 </a:rPr>
                 <a:t>ParseType</a:t>
               </a:r>
-              <a:endParaRPr lang="en-US" sz="1300" dirty="0">
-                <a:solidFill>
-                  <a:schemeClr val="tx1"/>
-                </a:solidFill>
-                <a:latin typeface="Arial" panose="020B0604020202020204" pitchFamily="34" charset="0"/>
-                <a:cs typeface="Arial" panose="020B0604020202020204" pitchFamily="34" charset="0"/>
-              </a:endParaRPr>
             </a:p>
           </p:txBody>
         </p:sp>
         <p:sp>
           <p:nvSpPr>
-            <p:cNvPr id="24" name="Rounded Rectangle 23">
+            <p:cNvPr id="76" name="Rounded Rectangle 75">
               <a:extLst>
                 <a:ext uri="{FF2B5EF4-FFF2-40B4-BE49-F238E27FC236}">
-                  <a16:creationId xmlns:a16="http://schemas.microsoft.com/office/drawing/2014/main" id="{943B47B0-2C04-A34E-AD17-01AE0CE07FC1}"/>
-                </a:ext>
-              </a:extLst>
-            </p:cNvPr>
-            <p:cNvSpPr/>
-            <p:nvPr/>
-          </p:nvSpPr>
-          <p:spPr>
-            <a:xfrm rot="16200000">
-              <a:off x="-2045605" y="2712777"/>
-              <a:ext cx="5568378" cy="710702"/>
-            </a:xfrm>
-            <a:prstGeom prst="roundRect">
-              <a:avLst/>
-            </a:prstGeom>
-            <a:solidFill>
-              <a:schemeClr val="accent3">
-                <a:lumMod val="60000"/>
-                <a:lumOff val="40000"/>
-              </a:schemeClr>
-            </a:solidFill>
-            <a:ln>
-              <a:solidFill>
-                <a:schemeClr val="accent3">
-                  <a:lumMod val="60000"/>
-                  <a:lumOff val="40000"/>
-                </a:schemeClr>
-              </a:solidFill>
-            </a:ln>
-          </p:spPr>
-          <p:style>
-            <a:lnRef idx="2">
-              <a:schemeClr val="accent1">
-                <a:shade val="50000"/>
-              </a:schemeClr>
-            </a:lnRef>
-            <a:fillRef idx="1">
-              <a:schemeClr val="accent1"/>
-            </a:fillRef>
-            <a:effectRef idx="0">
-              <a:schemeClr val="accent1"/>
-            </a:effectRef>
-            <a:fontRef idx="minor">
-              <a:schemeClr val="lt1"/>
-            </a:fontRef>
-          </p:style>
-          <p:txBody>
-            <a:bodyPr rtlCol="0" anchor="ctr"/>
-            <a:lstStyle/>
-            <a:p>
-              <a:pPr algn="ctr"/>
-              <a:r>
-                <a:rPr lang="en-US" sz="1300" b="1">
-                  <a:solidFill>
-                    <a:schemeClr val="tx1"/>
-                  </a:solidFill>
-                  <a:latin typeface="Arial" panose="020B0604020202020204" pitchFamily="34" charset="0"/>
-                  <a:cs typeface="Arial" panose="020B0604020202020204" pitchFamily="34" charset="0"/>
-                </a:rPr>
-                <a:t>Main</a:t>
-              </a:r>
-            </a:p>
-          </p:txBody>
-        </p:sp>
-        <p:sp>
-          <p:nvSpPr>
-            <p:cNvPr id="25" name="Rounded Rectangle 24">
-              <a:extLst>
-                <a:ext uri="{FF2B5EF4-FFF2-40B4-BE49-F238E27FC236}">
-                  <a16:creationId xmlns:a16="http://schemas.microsoft.com/office/drawing/2014/main" id="{89A3B589-B538-7343-94FC-86F22C7F7D5F}"/>
+                  <a16:creationId xmlns:a16="http://schemas.microsoft.com/office/drawing/2014/main" id="{5D44142D-A717-634B-9313-BA347434E6BE}"/>
                 </a:ext>
               </a:extLst>
             </p:cNvPr>
@@ -3619,7 +3548,7 @@
             <a:p>
               <a:pPr algn="ctr"/>
               <a:r>
-                <a:rPr lang="en-US" sz="1300">
+                <a:rPr lang="en-US" sz="1300" dirty="0">
                   <a:solidFill>
                     <a:schemeClr val="tx1"/>
                   </a:solidFill>
@@ -3632,7 +3561,7 @@
             <a:p>
               <a:pPr algn="ctr"/>
               <a:r>
-                <a:rPr lang="en-US" sz="1300">
+                <a:rPr lang="en-US" sz="1300" dirty="0">
                   <a:solidFill>
                     <a:schemeClr val="tx1"/>
                   </a:solidFill>
@@ -3646,10 +3575,10 @@
         </p:sp>
         <p:sp>
           <p:nvSpPr>
-            <p:cNvPr id="26" name="Rounded Rectangle 25">
+            <p:cNvPr id="77" name="Rounded Rectangle 76">
               <a:extLst>
                 <a:ext uri="{FF2B5EF4-FFF2-40B4-BE49-F238E27FC236}">
-                  <a16:creationId xmlns:a16="http://schemas.microsoft.com/office/drawing/2014/main" id="{E5AD2ADF-E9A2-194D-94AA-3E9AC9F37CBE}"/>
+                  <a16:creationId xmlns:a16="http://schemas.microsoft.com/office/drawing/2014/main" id="{235CC1F8-EF4D-7A47-B5F7-42D593D14537}"/>
                 </a:ext>
               </a:extLst>
             </p:cNvPr>
@@ -3697,7 +3626,7 @@
             <a:p>
               <a:pPr algn="ctr"/>
               <a:r>
-                <a:rPr lang="en-US" sz="1300">
+                <a:rPr lang="en-US" sz="1300" dirty="0">
                   <a:solidFill>
                     <a:schemeClr val="tx1"/>
                   </a:solidFill>
@@ -3711,200 +3640,10 @@
         </p:sp>
         <p:sp>
           <p:nvSpPr>
-            <p:cNvPr id="27" name="Triangle 26">
+            <p:cNvPr id="78" name="Rounded Rectangle 77">
               <a:extLst>
                 <a:ext uri="{FF2B5EF4-FFF2-40B4-BE49-F238E27FC236}">
-                  <a16:creationId xmlns:a16="http://schemas.microsoft.com/office/drawing/2014/main" id="{0AD78543-C0B2-424B-A811-E496D60E4ABB}"/>
-                </a:ext>
-              </a:extLst>
-            </p:cNvPr>
-            <p:cNvSpPr/>
-            <p:nvPr/>
-          </p:nvSpPr>
-          <p:spPr>
-            <a:xfrm>
-              <a:off x="2428237" y="1014652"/>
-              <a:ext cx="238306" cy="98868"/>
-            </a:xfrm>
-            <a:prstGeom prst="triangle">
-              <a:avLst/>
-            </a:prstGeom>
-            <a:noFill/>
-            <a:ln>
-              <a:solidFill>
-                <a:srgbClr val="FFC000"/>
-              </a:solidFill>
-            </a:ln>
-          </p:spPr>
-          <p:style>
-            <a:lnRef idx="2">
-              <a:schemeClr val="accent1">
-                <a:shade val="50000"/>
-              </a:schemeClr>
-            </a:lnRef>
-            <a:fillRef idx="1">
-              <a:schemeClr val="accent1"/>
-            </a:fillRef>
-            <a:effectRef idx="0">
-              <a:schemeClr val="accent1"/>
-            </a:effectRef>
-            <a:fontRef idx="minor">
-              <a:schemeClr val="lt1"/>
-            </a:fontRef>
-          </p:style>
-          <p:txBody>
-            <a:bodyPr rtlCol="0" anchor="ctr"/>
-            <a:lstStyle/>
-            <a:p>
-              <a:pPr algn="ctr"/>
-              <a:endParaRPr lang="en-US" sz="1300">
-                <a:latin typeface="Arial" panose="020B0604020202020204" pitchFamily="34" charset="0"/>
-                <a:cs typeface="Arial" panose="020B0604020202020204" pitchFamily="34" charset="0"/>
-              </a:endParaRPr>
-            </a:p>
-          </p:txBody>
-        </p:sp>
-        <p:cxnSp>
-          <p:nvCxnSpPr>
-            <p:cNvPr id="28" name="Straight Connector 27">
-              <a:extLst>
-                <a:ext uri="{FF2B5EF4-FFF2-40B4-BE49-F238E27FC236}">
-                  <a16:creationId xmlns:a16="http://schemas.microsoft.com/office/drawing/2014/main" id="{EC97C650-56DE-0648-9F0A-48980C37A59C}"/>
-                </a:ext>
-              </a:extLst>
-            </p:cNvPr>
-            <p:cNvCxnSpPr>
-              <a:cxnSpLocks/>
-              <a:stCxn id="27" idx="3"/>
-              <a:endCxn id="26" idx="0"/>
-            </p:cNvCxnSpPr>
-            <p:nvPr/>
-          </p:nvCxnSpPr>
-          <p:spPr>
-            <a:xfrm flipH="1">
-              <a:off x="2547389" y="1113520"/>
-              <a:ext cx="1" cy="308993"/>
-            </a:xfrm>
-            <a:prstGeom prst="line">
-              <a:avLst/>
-            </a:prstGeom>
-            <a:ln>
-              <a:solidFill>
-                <a:srgbClr val="FFC000"/>
-              </a:solidFill>
-            </a:ln>
-          </p:spPr>
-          <p:style>
-            <a:lnRef idx="1">
-              <a:schemeClr val="accent1"/>
-            </a:lnRef>
-            <a:fillRef idx="0">
-              <a:schemeClr val="accent1"/>
-            </a:fillRef>
-            <a:effectRef idx="0">
-              <a:schemeClr val="accent1"/>
-            </a:effectRef>
-            <a:fontRef idx="minor">
-              <a:schemeClr val="tx1"/>
-            </a:fontRef>
-          </p:style>
-        </p:cxnSp>
-        <p:cxnSp>
-          <p:nvCxnSpPr>
-            <p:cNvPr id="29" name="Elbow Connector 28">
-              <a:extLst>
-                <a:ext uri="{FF2B5EF4-FFF2-40B4-BE49-F238E27FC236}">
-                  <a16:creationId xmlns:a16="http://schemas.microsoft.com/office/drawing/2014/main" id="{110340E7-E6ED-A240-9477-34E3CED85A5F}"/>
-                </a:ext>
-              </a:extLst>
-            </p:cNvPr>
-            <p:cNvCxnSpPr>
-              <a:cxnSpLocks/>
-              <a:endCxn id="23" idx="0"/>
-            </p:cNvCxnSpPr>
-            <p:nvPr/>
-          </p:nvCxnSpPr>
-          <p:spPr>
-            <a:xfrm>
-              <a:off x="2547390" y="1211540"/>
-              <a:ext cx="2651829" cy="210972"/>
-            </a:xfrm>
-            <a:prstGeom prst="bentConnector2">
-              <a:avLst/>
-            </a:prstGeom>
-            <a:ln>
-              <a:solidFill>
-                <a:srgbClr val="FFC000"/>
-              </a:solidFill>
-            </a:ln>
-          </p:spPr>
-          <p:style>
-            <a:lnRef idx="1">
-              <a:schemeClr val="accent1"/>
-            </a:lnRef>
-            <a:fillRef idx="0">
-              <a:schemeClr val="accent1"/>
-            </a:fillRef>
-            <a:effectRef idx="0">
-              <a:schemeClr val="accent1"/>
-            </a:effectRef>
-            <a:fontRef idx="minor">
-              <a:schemeClr val="tx1"/>
-            </a:fontRef>
-          </p:style>
-        </p:cxnSp>
-        <p:cxnSp>
-          <p:nvCxnSpPr>
-            <p:cNvPr id="30" name="Straight Arrow Connector 29">
-              <a:extLst>
-                <a:ext uri="{FF2B5EF4-FFF2-40B4-BE49-F238E27FC236}">
-                  <a16:creationId xmlns:a16="http://schemas.microsoft.com/office/drawing/2014/main" id="{AF7BE2BF-225B-BF45-AEC0-6CF09695F674}"/>
-                </a:ext>
-              </a:extLst>
-            </p:cNvPr>
-            <p:cNvCxnSpPr>
-              <a:cxnSpLocks/>
-              <a:endCxn id="26" idx="1"/>
-            </p:cNvCxnSpPr>
-            <p:nvPr/>
-          </p:nvCxnSpPr>
-          <p:spPr>
-            <a:xfrm>
-              <a:off x="1093936" y="1687344"/>
-              <a:ext cx="462109" cy="0"/>
-            </a:xfrm>
-            <a:prstGeom prst="straightConnector1">
-              <a:avLst/>
-            </a:prstGeom>
-            <a:ln>
-              <a:solidFill>
-                <a:srgbClr val="FFC000"/>
-              </a:solidFill>
-              <a:prstDash val="sysDot"/>
-              <a:tailEnd type="triangle"/>
-            </a:ln>
-          </p:spPr>
-          <p:style>
-            <a:lnRef idx="1">
-              <a:schemeClr val="accent1"/>
-            </a:lnRef>
-            <a:fillRef idx="0">
-              <a:schemeClr val="accent1"/>
-            </a:fillRef>
-            <a:effectRef idx="0">
-              <a:schemeClr val="accent1"/>
-            </a:effectRef>
-            <a:fontRef idx="minor">
-              <a:schemeClr val="tx1"/>
-            </a:fontRef>
-          </p:style>
-        </p:cxnSp>
-        <p:sp>
-          <p:nvSpPr>
-            <p:cNvPr id="31" name="Rounded Rectangle 30">
-              <a:extLst>
-                <a:ext uri="{FF2B5EF4-FFF2-40B4-BE49-F238E27FC236}">
-                  <a16:creationId xmlns:a16="http://schemas.microsoft.com/office/drawing/2014/main" id="{A6415230-573E-6540-93EF-D0BE7260C740}"/>
+                  <a16:creationId xmlns:a16="http://schemas.microsoft.com/office/drawing/2014/main" id="{6EB6412F-70AC-1245-B4F7-1D42FAAF49B2}"/>
                 </a:ext>
               </a:extLst>
             </p:cNvPr>
@@ -3964,60 +3703,12 @@
             </a:p>
           </p:txBody>
         </p:sp>
-        <p:cxnSp>
-          <p:nvCxnSpPr>
-            <p:cNvPr id="32" name="Straight Arrow Connector 31">
+        <p:sp>
+          <p:nvSpPr>
+            <p:cNvPr id="79" name="Rounded Rectangle 78">
               <a:extLst>
                 <a:ext uri="{FF2B5EF4-FFF2-40B4-BE49-F238E27FC236}">
-                  <a16:creationId xmlns:a16="http://schemas.microsoft.com/office/drawing/2014/main" id="{BB5B201B-2A86-E343-85EF-FD48DF9EF73D}"/>
-                </a:ext>
-              </a:extLst>
-            </p:cNvPr>
-            <p:cNvCxnSpPr>
-              <a:cxnSpLocks/>
-              <a:stCxn id="23" idx="1"/>
-              <a:endCxn id="26" idx="3"/>
-            </p:cNvCxnSpPr>
-            <p:nvPr/>
-          </p:nvCxnSpPr>
-          <p:spPr>
-            <a:xfrm flipH="1">
-              <a:off x="3538733" y="1687343"/>
-              <a:ext cx="669142" cy="1"/>
-            </a:xfrm>
-            <a:prstGeom prst="straightConnector1">
-              <a:avLst/>
-            </a:prstGeom>
-            <a:ln>
-              <a:solidFill>
-                <a:srgbClr val="FFC000"/>
-              </a:solidFill>
-              <a:prstDash val="solid"/>
-              <a:headEnd type="triangle"/>
-              <a:tailEnd type="none"/>
-            </a:ln>
-          </p:spPr>
-          <p:style>
-            <a:lnRef idx="1">
-              <a:schemeClr val="accent1"/>
-            </a:lnRef>
-            <a:fillRef idx="0">
-              <a:schemeClr val="accent1"/>
-            </a:fillRef>
-            <a:effectRef idx="0">
-              <a:schemeClr val="accent1"/>
-            </a:effectRef>
-            <a:fontRef idx="minor">
-              <a:schemeClr val="tx1"/>
-            </a:fontRef>
-          </p:style>
-        </p:cxnSp>
-        <p:sp>
-          <p:nvSpPr>
-            <p:cNvPr id="33" name="Rounded Rectangle 32">
-              <a:extLst>
-                <a:ext uri="{FF2B5EF4-FFF2-40B4-BE49-F238E27FC236}">
-                  <a16:creationId xmlns:a16="http://schemas.microsoft.com/office/drawing/2014/main" id="{CBD2D8B5-A5B8-7645-BF43-D4D89B3AE2C7}"/>
+                  <a16:creationId xmlns:a16="http://schemas.microsoft.com/office/drawing/2014/main" id="{F24AC7B8-8FF5-984A-880F-F9C8EC96DD61}"/>
                 </a:ext>
               </a:extLst>
             </p:cNvPr>
@@ -4092,10 +3783,10 @@
         </p:sp>
         <p:sp>
           <p:nvSpPr>
-            <p:cNvPr id="34" name="Rounded Rectangle 33">
+            <p:cNvPr id="80" name="Rounded Rectangle 79">
               <a:extLst>
                 <a:ext uri="{FF2B5EF4-FFF2-40B4-BE49-F238E27FC236}">
-                  <a16:creationId xmlns:a16="http://schemas.microsoft.com/office/drawing/2014/main" id="{0004BB36-6657-9842-8E08-C3BEB1B1E0B1}"/>
+                  <a16:creationId xmlns:a16="http://schemas.microsoft.com/office/drawing/2014/main" id="{7BBC491C-5602-7B42-A372-B4BC83B7DB66}"/>
                 </a:ext>
               </a:extLst>
             </p:cNvPr>
@@ -4164,10 +3855,10 @@
         </p:sp>
         <p:sp>
           <p:nvSpPr>
-            <p:cNvPr id="35" name="Rounded Rectangle 34">
+            <p:cNvPr id="81" name="Rounded Rectangle 80">
               <a:extLst>
                 <a:ext uri="{FF2B5EF4-FFF2-40B4-BE49-F238E27FC236}">
-                  <a16:creationId xmlns:a16="http://schemas.microsoft.com/office/drawing/2014/main" id="{0212B436-315C-CC44-8CEA-8CB069A55060}"/>
+                  <a16:creationId xmlns:a16="http://schemas.microsoft.com/office/drawing/2014/main" id="{03D194C3-1EE7-AD41-BD25-F7551F5A2556}"/>
                 </a:ext>
               </a:extLst>
             </p:cNvPr>
@@ -4215,7 +3906,7 @@
             <a:p>
               <a:pPr algn="ctr"/>
               <a:r>
-                <a:rPr lang="en-US" sz="1300">
+                <a:rPr lang="en-US" sz="1300" dirty="0">
                   <a:solidFill>
                     <a:schemeClr val="tx1"/>
                   </a:solidFill>
@@ -4228,7 +3919,7 @@
             <a:p>
               <a:pPr algn="ctr"/>
               <a:r>
-                <a:rPr lang="en-US" sz="1300" err="1">
+                <a:rPr lang="en-US" sz="1300" dirty="0">
                   <a:solidFill>
                     <a:schemeClr val="tx1"/>
                   </a:solidFill>
@@ -4237,85 +3928,15 @@
                 </a:rPr>
                 <a:t>ParseCard</a:t>
               </a:r>
-              <a:endParaRPr lang="en-US" sz="1300">
-                <a:solidFill>
-                  <a:schemeClr val="tx1"/>
-                </a:solidFill>
-                <a:latin typeface="Arial" panose="020B0604020202020204" pitchFamily="34" charset="0"/>
-                <a:cs typeface="Arial" panose="020B0604020202020204" pitchFamily="34" charset="0"/>
-              </a:endParaRPr>
             </a:p>
           </p:txBody>
         </p:sp>
         <p:sp>
           <p:nvSpPr>
-            <p:cNvPr id="36" name="Rounded Rectangle 35">
+            <p:cNvPr id="82" name="Rounded Rectangle 44">
               <a:extLst>
                 <a:ext uri="{FF2B5EF4-FFF2-40B4-BE49-F238E27FC236}">
-                  <a16:creationId xmlns:a16="http://schemas.microsoft.com/office/drawing/2014/main" id="{56748C53-6B31-554D-819A-D54D89F29DD1}"/>
-                </a:ext>
-              </a:extLst>
-            </p:cNvPr>
-            <p:cNvSpPr/>
-            <p:nvPr/>
-          </p:nvSpPr>
-          <p:spPr>
-            <a:xfrm>
-              <a:off x="1324991" y="6044400"/>
-              <a:ext cx="10483775" cy="529662"/>
-            </a:xfrm>
-            <a:prstGeom prst="roundRect">
-              <a:avLst/>
-            </a:prstGeom>
-            <a:solidFill>
-              <a:schemeClr val="accent2"/>
-            </a:solidFill>
-            <a:ln>
-              <a:solidFill>
-                <a:schemeClr val="accent2"/>
-              </a:solidFill>
-            </a:ln>
-          </p:spPr>
-          <p:style>
-            <a:lnRef idx="2">
-              <a:schemeClr val="accent1">
-                <a:shade val="50000"/>
-              </a:schemeClr>
-            </a:lnRef>
-            <a:fillRef idx="1">
-              <a:schemeClr val="accent1"/>
-            </a:fillRef>
-            <a:effectRef idx="0">
-              <a:schemeClr val="accent1"/>
-            </a:effectRef>
-            <a:fontRef idx="minor">
-              <a:schemeClr val="lt1"/>
-            </a:fontRef>
-          </p:style>
-          <p:txBody>
-            <a:bodyPr rtlCol="0" anchor="ctr"/>
-            <a:lstStyle/>
-            <a:p>
-              <a:pPr algn="ctr"/>
-              <a:r>
-                <a:rPr lang="en-US" sz="1300" b="1">
-                  <a:solidFill>
-                    <a:schemeClr val="tx1"/>
-                  </a:solidFill>
-                  <a:latin typeface="Arial" panose="020B0604020202020204" pitchFamily="34" charset="0"/>
-                  <a:cs typeface="Arial" panose="020B0604020202020204" pitchFamily="34" charset="0"/>
-                </a:rPr>
-                <a:t>Command</a:t>
-              </a:r>
-            </a:p>
-          </p:txBody>
-        </p:sp>
-        <p:sp>
-          <p:nvSpPr>
-            <p:cNvPr id="37" name="Rounded Rectangle 44">
-              <a:extLst>
-                <a:ext uri="{FF2B5EF4-FFF2-40B4-BE49-F238E27FC236}">
-                  <a16:creationId xmlns:a16="http://schemas.microsoft.com/office/drawing/2014/main" id="{04EC227B-F7A2-6643-BBCC-E0A2B20C0C5C}"/>
+                  <a16:creationId xmlns:a16="http://schemas.microsoft.com/office/drawing/2014/main" id="{7CB725CA-4B3C-6B43-8707-823840E1B1CF}"/>
                 </a:ext>
               </a:extLst>
             </p:cNvPr>
@@ -4363,7 +3984,7 @@
             <a:p>
               <a:pPr algn="ctr"/>
               <a:r>
-                <a:rPr lang="en-US" sz="1300" dirty="0">
+                <a:rPr lang="en-US" sz="1300">
                   <a:solidFill>
                     <a:schemeClr val="tx1"/>
                   </a:solidFill>
@@ -4376,7 +3997,7 @@
             <a:p>
               <a:pPr algn="ctr"/>
               <a:r>
-                <a:rPr lang="en-US" sz="1300" dirty="0" err="1">
+                <a:rPr lang="en-US" sz="1300" err="1">
                   <a:solidFill>
                     <a:schemeClr val="tx1"/>
                   </a:solidFill>
@@ -4385,7 +4006,7 @@
                 </a:rPr>
                 <a:t>ParseFind</a:t>
               </a:r>
-              <a:endParaRPr lang="en-US" sz="1300" dirty="0">
+              <a:endParaRPr lang="en-US" sz="1300">
                 <a:solidFill>
                   <a:schemeClr val="tx1"/>
                 </a:solidFill>
@@ -4397,10 +4018,10 @@
         </p:sp>
         <p:sp>
           <p:nvSpPr>
-            <p:cNvPr id="38" name="Rounded Rectangle 44">
+            <p:cNvPr id="83" name="Rounded Rectangle 44">
               <a:extLst>
                 <a:ext uri="{FF2B5EF4-FFF2-40B4-BE49-F238E27FC236}">
-                  <a16:creationId xmlns:a16="http://schemas.microsoft.com/office/drawing/2014/main" id="{F3E4DFD5-2599-7247-A5AC-D5E5A3225D28}"/>
+                  <a16:creationId xmlns:a16="http://schemas.microsoft.com/office/drawing/2014/main" id="{C6205489-EDC0-9A4C-AC4E-D3B999EECFCD}"/>
                 </a:ext>
               </a:extLst>
             </p:cNvPr>
@@ -4482,10 +4103,10 @@
         </p:sp>
         <p:sp>
           <p:nvSpPr>
-            <p:cNvPr id="39" name="Rounded Rectangle 44">
+            <p:cNvPr id="84" name="Rounded Rectangle 44">
               <a:extLst>
                 <a:ext uri="{FF2B5EF4-FFF2-40B4-BE49-F238E27FC236}">
-                  <a16:creationId xmlns:a16="http://schemas.microsoft.com/office/drawing/2014/main" id="{DF425E03-DBF1-4541-AF63-0479A043737B}"/>
+                  <a16:creationId xmlns:a16="http://schemas.microsoft.com/office/drawing/2014/main" id="{B3D337F2-A538-0A42-9032-9DF3E35F64F9}"/>
                 </a:ext>
               </a:extLst>
             </p:cNvPr>
@@ -4533,7 +4154,7 @@
             <a:p>
               <a:pPr algn="ctr"/>
               <a:r>
-                <a:rPr lang="en-US" sz="1300">
+                <a:rPr lang="en-US" sz="1300" dirty="0">
                   <a:solidFill>
                     <a:schemeClr val="tx1"/>
                   </a:solidFill>
@@ -4546,7 +4167,7 @@
             <a:p>
               <a:pPr algn="ctr"/>
               <a:r>
-                <a:rPr lang="en-US" sz="1300" err="1">
+                <a:rPr lang="en-US" sz="1300" dirty="0" err="1">
                   <a:solidFill>
                     <a:schemeClr val="tx1"/>
                   </a:solidFill>
@@ -4555,7 +4176,7 @@
                 </a:rPr>
                 <a:t>ParseGoals</a:t>
               </a:r>
-              <a:endParaRPr lang="en-US" sz="1300">
+              <a:endParaRPr lang="en-US" sz="1300" dirty="0">
                 <a:solidFill>
                   <a:schemeClr val="tx1"/>
                 </a:solidFill>
@@ -4567,10 +4188,10 @@
         </p:sp>
         <p:sp>
           <p:nvSpPr>
-            <p:cNvPr id="40" name="Rounded Rectangle 44">
+            <p:cNvPr id="85" name="Rounded Rectangle 44">
               <a:extLst>
                 <a:ext uri="{FF2B5EF4-FFF2-40B4-BE49-F238E27FC236}">
-                  <a16:creationId xmlns:a16="http://schemas.microsoft.com/office/drawing/2014/main" id="{E1707596-3E9F-C74F-8120-F6D9926BAE90}"/>
+                  <a16:creationId xmlns:a16="http://schemas.microsoft.com/office/drawing/2014/main" id="{8965FE13-CF5E-3B4E-906A-9D35604EE4B9}"/>
                 </a:ext>
               </a:extLst>
             </p:cNvPr>
@@ -4618,7 +4239,7 @@
             <a:p>
               <a:pPr algn="ctr"/>
               <a:r>
-                <a:rPr lang="en-US" sz="1300">
+                <a:rPr lang="en-US" sz="1300" dirty="0">
                   <a:solidFill>
                     <a:schemeClr val="tx1"/>
                   </a:solidFill>
@@ -4631,7 +4252,7 @@
             <a:p>
               <a:pPr algn="ctr"/>
               <a:r>
-                <a:rPr lang="en-US" sz="1300" err="1">
+                <a:rPr lang="en-US" sz="1300" dirty="0">
                   <a:solidFill>
                     <a:schemeClr val="tx1"/>
                   </a:solidFill>
@@ -4640,22 +4261,15 @@
                 </a:rPr>
                 <a:t>ParseSaving</a:t>
               </a:r>
-              <a:endParaRPr lang="en-US" sz="1300">
-                <a:solidFill>
-                  <a:schemeClr val="tx1"/>
-                </a:solidFill>
-                <a:latin typeface="Arial" panose="020B0604020202020204" pitchFamily="34" charset="0"/>
-                <a:cs typeface="Arial" panose="020B0604020202020204" pitchFamily="34" charset="0"/>
-              </a:endParaRPr>
             </a:p>
           </p:txBody>
         </p:sp>
         <p:sp>
           <p:nvSpPr>
-            <p:cNvPr id="41" name="Rounded Rectangle 44">
+            <p:cNvPr id="86" name="Rounded Rectangle 44">
               <a:extLst>
                 <a:ext uri="{FF2B5EF4-FFF2-40B4-BE49-F238E27FC236}">
-                  <a16:creationId xmlns:a16="http://schemas.microsoft.com/office/drawing/2014/main" id="{53C888F7-25ED-9A43-AC6E-8532F338CFF8}"/>
+                  <a16:creationId xmlns:a16="http://schemas.microsoft.com/office/drawing/2014/main" id="{E5858DD2-6D5D-5147-9B7B-C435378E133F}"/>
                 </a:ext>
               </a:extLst>
             </p:cNvPr>
@@ -4703,7 +4317,7 @@
             <a:p>
               <a:pPr algn="ctr"/>
               <a:r>
-                <a:rPr lang="en-US" sz="1300">
+                <a:rPr lang="en-US" sz="1300" dirty="0">
                   <a:solidFill>
                     <a:schemeClr val="tx1"/>
                   </a:solidFill>
@@ -4716,7 +4330,7 @@
             <a:p>
               <a:pPr algn="ctr"/>
               <a:r>
-                <a:rPr lang="en-US" sz="1300" err="1">
+                <a:rPr lang="en-US" sz="1300" dirty="0">
                   <a:solidFill>
                     <a:schemeClr val="tx1"/>
                   </a:solidFill>
@@ -4725,22 +4339,15 @@
                 </a:rPr>
                 <a:t>ParseInvestment</a:t>
               </a:r>
-              <a:endParaRPr lang="en-US" sz="1300">
-                <a:solidFill>
-                  <a:schemeClr val="tx1"/>
-                </a:solidFill>
-                <a:latin typeface="Arial" panose="020B0604020202020204" pitchFamily="34" charset="0"/>
-                <a:cs typeface="Arial" panose="020B0604020202020204" pitchFamily="34" charset="0"/>
-              </a:endParaRPr>
             </a:p>
           </p:txBody>
         </p:sp>
         <p:sp>
           <p:nvSpPr>
-            <p:cNvPr id="42" name="Rounded Rectangle 50">
+            <p:cNvPr id="87" name="Rounded Rectangle 50">
               <a:extLst>
                 <a:ext uri="{FF2B5EF4-FFF2-40B4-BE49-F238E27FC236}">
-                  <a16:creationId xmlns:a16="http://schemas.microsoft.com/office/drawing/2014/main" id="{D021D70C-26C8-AD42-B01A-3BA4AA6D789D}"/>
+                  <a16:creationId xmlns:a16="http://schemas.microsoft.com/office/drawing/2014/main" id="{8908C722-8533-0D4A-8BCF-B9DC51FF99C9}"/>
                 </a:ext>
               </a:extLst>
             </p:cNvPr>
@@ -4826,18 +4433,392 @@
             </a:p>
           </p:txBody>
         </p:sp>
+        <p:sp>
+          <p:nvSpPr>
+            <p:cNvPr id="88" name="Rounded Rectangle 87">
+              <a:extLst>
+                <a:ext uri="{FF2B5EF4-FFF2-40B4-BE49-F238E27FC236}">
+                  <a16:creationId xmlns:a16="http://schemas.microsoft.com/office/drawing/2014/main" id="{63EBC75E-068B-0948-89D1-53D64C556058}"/>
+                </a:ext>
+              </a:extLst>
+            </p:cNvPr>
+            <p:cNvSpPr/>
+            <p:nvPr/>
+          </p:nvSpPr>
+          <p:spPr>
+            <a:xfrm rot="16200000">
+              <a:off x="-2045605" y="2712777"/>
+              <a:ext cx="5568378" cy="710702"/>
+            </a:xfrm>
+            <a:prstGeom prst="roundRect">
+              <a:avLst/>
+            </a:prstGeom>
+            <a:solidFill>
+              <a:schemeClr val="accent3">
+                <a:lumMod val="60000"/>
+                <a:lumOff val="40000"/>
+              </a:schemeClr>
+            </a:solidFill>
+            <a:ln>
+              <a:solidFill>
+                <a:schemeClr val="accent3">
+                  <a:lumMod val="60000"/>
+                  <a:lumOff val="40000"/>
+                </a:schemeClr>
+              </a:solidFill>
+            </a:ln>
+          </p:spPr>
+          <p:style>
+            <a:lnRef idx="2">
+              <a:schemeClr val="accent1">
+                <a:shade val="50000"/>
+              </a:schemeClr>
+            </a:lnRef>
+            <a:fillRef idx="1">
+              <a:schemeClr val="accent1"/>
+            </a:fillRef>
+            <a:effectRef idx="0">
+              <a:schemeClr val="accent1"/>
+            </a:effectRef>
+            <a:fontRef idx="minor">
+              <a:schemeClr val="lt1"/>
+            </a:fontRef>
+          </p:style>
+          <p:txBody>
+            <a:bodyPr rtlCol="0" anchor="ctr"/>
+            <a:lstStyle/>
+            <a:p>
+              <a:pPr algn="ctr"/>
+              <a:r>
+                <a:rPr lang="en-US" sz="1300" b="1">
+                  <a:solidFill>
+                    <a:schemeClr val="tx1"/>
+                  </a:solidFill>
+                  <a:latin typeface="Arial" panose="020B0604020202020204" pitchFamily="34" charset="0"/>
+                  <a:cs typeface="Arial" panose="020B0604020202020204" pitchFamily="34" charset="0"/>
+                </a:rPr>
+                <a:t>Main</a:t>
+              </a:r>
+            </a:p>
+          </p:txBody>
+        </p:sp>
+        <p:sp>
+          <p:nvSpPr>
+            <p:cNvPr id="89" name="Triangle 88">
+              <a:extLst>
+                <a:ext uri="{FF2B5EF4-FFF2-40B4-BE49-F238E27FC236}">
+                  <a16:creationId xmlns:a16="http://schemas.microsoft.com/office/drawing/2014/main" id="{DD872149-45CD-1844-889A-F47FF5FEB0EB}"/>
+                </a:ext>
+              </a:extLst>
+            </p:cNvPr>
+            <p:cNvSpPr/>
+            <p:nvPr/>
+          </p:nvSpPr>
+          <p:spPr>
+            <a:xfrm>
+              <a:off x="2428237" y="1014652"/>
+              <a:ext cx="238306" cy="98868"/>
+            </a:xfrm>
+            <a:prstGeom prst="triangle">
+              <a:avLst/>
+            </a:prstGeom>
+            <a:noFill/>
+            <a:ln>
+              <a:solidFill>
+                <a:schemeClr val="accent2">
+                  <a:lumMod val="75000"/>
+                </a:schemeClr>
+              </a:solidFill>
+            </a:ln>
+          </p:spPr>
+          <p:style>
+            <a:lnRef idx="2">
+              <a:schemeClr val="accent1">
+                <a:shade val="50000"/>
+              </a:schemeClr>
+            </a:lnRef>
+            <a:fillRef idx="1">
+              <a:schemeClr val="accent1"/>
+            </a:fillRef>
+            <a:effectRef idx="0">
+              <a:schemeClr val="accent1"/>
+            </a:effectRef>
+            <a:fontRef idx="minor">
+              <a:schemeClr val="lt1"/>
+            </a:fontRef>
+          </p:style>
+          <p:txBody>
+            <a:bodyPr rtlCol="0" anchor="ctr"/>
+            <a:lstStyle/>
+            <a:p>
+              <a:pPr algn="ctr"/>
+              <a:endParaRPr lang="en-US" sz="1300">
+                <a:latin typeface="Arial" panose="020B0604020202020204" pitchFamily="34" charset="0"/>
+                <a:cs typeface="Arial" panose="020B0604020202020204" pitchFamily="34" charset="0"/>
+              </a:endParaRPr>
+            </a:p>
+          </p:txBody>
+        </p:sp>
         <p:cxnSp>
           <p:nvCxnSpPr>
-            <p:cNvPr id="43" name="Elbow Connector 19">
+            <p:cNvPr id="90" name="Straight Connector 89">
               <a:extLst>
                 <a:ext uri="{FF2B5EF4-FFF2-40B4-BE49-F238E27FC236}">
-                  <a16:creationId xmlns:a16="http://schemas.microsoft.com/office/drawing/2014/main" id="{FF363973-4FEF-3148-A062-A14E99A30817}"/>
+                  <a16:creationId xmlns:a16="http://schemas.microsoft.com/office/drawing/2014/main" id="{8778D79F-E255-284B-8AAA-5B377FF3EA68}"/>
                 </a:ext>
               </a:extLst>
             </p:cNvPr>
             <p:cNvCxnSpPr>
               <a:cxnSpLocks/>
-              <a:endCxn id="23" idx="2"/>
+              <a:stCxn id="89" idx="3"/>
+            </p:cNvCxnSpPr>
+            <p:nvPr/>
+          </p:nvCxnSpPr>
+          <p:spPr>
+            <a:xfrm flipH="1">
+              <a:off x="2547389" y="1113520"/>
+              <a:ext cx="1" cy="308993"/>
+            </a:xfrm>
+            <a:prstGeom prst="line">
+              <a:avLst/>
+            </a:prstGeom>
+            <a:ln>
+              <a:solidFill>
+                <a:schemeClr val="accent2">
+                  <a:lumMod val="75000"/>
+                </a:schemeClr>
+              </a:solidFill>
+            </a:ln>
+          </p:spPr>
+          <p:style>
+            <a:lnRef idx="1">
+              <a:schemeClr val="accent1"/>
+            </a:lnRef>
+            <a:fillRef idx="0">
+              <a:schemeClr val="accent1"/>
+            </a:fillRef>
+            <a:effectRef idx="0">
+              <a:schemeClr val="accent1"/>
+            </a:effectRef>
+            <a:fontRef idx="minor">
+              <a:schemeClr val="tx1"/>
+            </a:fontRef>
+          </p:style>
+        </p:cxnSp>
+        <p:cxnSp>
+          <p:nvCxnSpPr>
+            <p:cNvPr id="91" name="Elbow Connector 90">
+              <a:extLst>
+                <a:ext uri="{FF2B5EF4-FFF2-40B4-BE49-F238E27FC236}">
+                  <a16:creationId xmlns:a16="http://schemas.microsoft.com/office/drawing/2014/main" id="{9373D8C5-AAED-134A-98F7-44A5B577CABB}"/>
+                </a:ext>
+              </a:extLst>
+            </p:cNvPr>
+            <p:cNvCxnSpPr>
+              <a:cxnSpLocks/>
+            </p:cNvCxnSpPr>
+            <p:nvPr/>
+          </p:nvCxnSpPr>
+          <p:spPr>
+            <a:xfrm>
+              <a:off x="2547390" y="1211540"/>
+              <a:ext cx="2651829" cy="210972"/>
+            </a:xfrm>
+            <a:prstGeom prst="bentConnector2">
+              <a:avLst/>
+            </a:prstGeom>
+            <a:ln>
+              <a:solidFill>
+                <a:schemeClr val="accent2">
+                  <a:lumMod val="75000"/>
+                </a:schemeClr>
+              </a:solidFill>
+            </a:ln>
+          </p:spPr>
+          <p:style>
+            <a:lnRef idx="1">
+              <a:schemeClr val="accent1"/>
+            </a:lnRef>
+            <a:fillRef idx="0">
+              <a:schemeClr val="accent1"/>
+            </a:fillRef>
+            <a:effectRef idx="0">
+              <a:schemeClr val="accent1"/>
+            </a:effectRef>
+            <a:fontRef idx="minor">
+              <a:schemeClr val="tx1"/>
+            </a:fontRef>
+          </p:style>
+        </p:cxnSp>
+        <p:cxnSp>
+          <p:nvCxnSpPr>
+            <p:cNvPr id="92" name="Straight Arrow Connector 91">
+              <a:extLst>
+                <a:ext uri="{FF2B5EF4-FFF2-40B4-BE49-F238E27FC236}">
+                  <a16:creationId xmlns:a16="http://schemas.microsoft.com/office/drawing/2014/main" id="{C7E3FFCC-D6C7-C148-B512-5AA37C7D3182}"/>
+                </a:ext>
+              </a:extLst>
+            </p:cNvPr>
+            <p:cNvCxnSpPr>
+              <a:cxnSpLocks/>
+            </p:cNvCxnSpPr>
+            <p:nvPr/>
+          </p:nvCxnSpPr>
+          <p:spPr>
+            <a:xfrm>
+              <a:off x="1093936" y="1687344"/>
+              <a:ext cx="462109" cy="0"/>
+            </a:xfrm>
+            <a:prstGeom prst="straightConnector1">
+              <a:avLst/>
+            </a:prstGeom>
+            <a:ln>
+              <a:solidFill>
+                <a:schemeClr val="accent2">
+                  <a:lumMod val="75000"/>
+                </a:schemeClr>
+              </a:solidFill>
+              <a:prstDash val="sysDot"/>
+              <a:tailEnd type="triangle"/>
+            </a:ln>
+          </p:spPr>
+          <p:style>
+            <a:lnRef idx="1">
+              <a:schemeClr val="accent1"/>
+            </a:lnRef>
+            <a:fillRef idx="0">
+              <a:schemeClr val="accent1"/>
+            </a:fillRef>
+            <a:effectRef idx="0">
+              <a:schemeClr val="accent1"/>
+            </a:effectRef>
+            <a:fontRef idx="minor">
+              <a:schemeClr val="tx1"/>
+            </a:fontRef>
+          </p:style>
+        </p:cxnSp>
+        <p:cxnSp>
+          <p:nvCxnSpPr>
+            <p:cNvPr id="93" name="Straight Arrow Connector 92">
+              <a:extLst>
+                <a:ext uri="{FF2B5EF4-FFF2-40B4-BE49-F238E27FC236}">
+                  <a16:creationId xmlns:a16="http://schemas.microsoft.com/office/drawing/2014/main" id="{515476FE-A35D-C64D-B063-4EE24AAD41E1}"/>
+                </a:ext>
+              </a:extLst>
+            </p:cNvPr>
+            <p:cNvCxnSpPr>
+              <a:cxnSpLocks/>
+            </p:cNvCxnSpPr>
+            <p:nvPr/>
+          </p:nvCxnSpPr>
+          <p:spPr>
+            <a:xfrm flipH="1">
+              <a:off x="3538733" y="1687343"/>
+              <a:ext cx="669142" cy="1"/>
+            </a:xfrm>
+            <a:prstGeom prst="straightConnector1">
+              <a:avLst/>
+            </a:prstGeom>
+            <a:ln>
+              <a:solidFill>
+                <a:schemeClr val="accent2">
+                  <a:lumMod val="75000"/>
+                </a:schemeClr>
+              </a:solidFill>
+              <a:prstDash val="solid"/>
+              <a:headEnd type="triangle"/>
+              <a:tailEnd type="none"/>
+            </a:ln>
+          </p:spPr>
+          <p:style>
+            <a:lnRef idx="1">
+              <a:schemeClr val="accent1"/>
+            </a:lnRef>
+            <a:fillRef idx="0">
+              <a:schemeClr val="accent1"/>
+            </a:fillRef>
+            <a:effectRef idx="0">
+              <a:schemeClr val="accent1"/>
+            </a:effectRef>
+            <a:fontRef idx="minor">
+              <a:schemeClr val="tx1"/>
+            </a:fontRef>
+          </p:style>
+        </p:cxnSp>
+        <p:sp>
+          <p:nvSpPr>
+            <p:cNvPr id="94" name="Rounded Rectangle 93">
+              <a:extLst>
+                <a:ext uri="{FF2B5EF4-FFF2-40B4-BE49-F238E27FC236}">
+                  <a16:creationId xmlns:a16="http://schemas.microsoft.com/office/drawing/2014/main" id="{AB959217-8498-3841-AC11-4BCC496CDF6F}"/>
+                </a:ext>
+              </a:extLst>
+            </p:cNvPr>
+            <p:cNvSpPr/>
+            <p:nvPr/>
+          </p:nvSpPr>
+          <p:spPr>
+            <a:xfrm>
+              <a:off x="1324991" y="6044400"/>
+              <a:ext cx="10483775" cy="529662"/>
+            </a:xfrm>
+            <a:prstGeom prst="roundRect">
+              <a:avLst/>
+            </a:prstGeom>
+            <a:solidFill>
+              <a:schemeClr val="accent2"/>
+            </a:solidFill>
+            <a:ln>
+              <a:solidFill>
+                <a:schemeClr val="accent2"/>
+              </a:solidFill>
+            </a:ln>
+          </p:spPr>
+          <p:style>
+            <a:lnRef idx="2">
+              <a:schemeClr val="accent1">
+                <a:shade val="50000"/>
+              </a:schemeClr>
+            </a:lnRef>
+            <a:fillRef idx="1">
+              <a:schemeClr val="accent1"/>
+            </a:fillRef>
+            <a:effectRef idx="0">
+              <a:schemeClr val="accent1"/>
+            </a:effectRef>
+            <a:fontRef idx="minor">
+              <a:schemeClr val="lt1"/>
+            </a:fontRef>
+          </p:style>
+          <p:txBody>
+            <a:bodyPr rtlCol="0" anchor="ctr"/>
+            <a:lstStyle/>
+            <a:p>
+              <a:pPr algn="ctr"/>
+              <a:r>
+                <a:rPr lang="en-US" sz="1300" b="1">
+                  <a:solidFill>
+                    <a:schemeClr val="tx1"/>
+                  </a:solidFill>
+                  <a:latin typeface="Arial" panose="020B0604020202020204" pitchFamily="34" charset="0"/>
+                  <a:cs typeface="Arial" panose="020B0604020202020204" pitchFamily="34" charset="0"/>
+                </a:rPr>
+                <a:t>Command</a:t>
+              </a:r>
+            </a:p>
+          </p:txBody>
+        </p:sp>
+        <p:cxnSp>
+          <p:nvCxnSpPr>
+            <p:cNvPr id="95" name="Elbow Connector 19">
+              <a:extLst>
+                <a:ext uri="{FF2B5EF4-FFF2-40B4-BE49-F238E27FC236}">
+                  <a16:creationId xmlns:a16="http://schemas.microsoft.com/office/drawing/2014/main" id="{0409E276-C5D1-0749-90F4-0E60A650AF0C}"/>
+                </a:ext>
+              </a:extLst>
+            </p:cNvPr>
+            <p:cNvCxnSpPr>
+              <a:cxnSpLocks/>
             </p:cNvCxnSpPr>
             <p:nvPr/>
           </p:nvCxnSpPr>
@@ -4853,7 +4834,9 @@
             </a:prstGeom>
             <a:ln>
               <a:solidFill>
-                <a:srgbClr val="FFC000"/>
+                <a:schemeClr val="accent2">
+                  <a:lumMod val="75000"/>
+                </a:schemeClr>
               </a:solidFill>
             </a:ln>
           </p:spPr>
@@ -4874,10 +4857,10 @@
         </p:cxnSp>
         <p:cxnSp>
           <p:nvCxnSpPr>
-            <p:cNvPr id="44" name="Straight Connector 43">
+            <p:cNvPr id="96" name="Straight Connector 95">
               <a:extLst>
                 <a:ext uri="{FF2B5EF4-FFF2-40B4-BE49-F238E27FC236}">
-                  <a16:creationId xmlns:a16="http://schemas.microsoft.com/office/drawing/2014/main" id="{B3E3F9BD-2095-6148-9673-861622C5BC24}"/>
+                  <a16:creationId xmlns:a16="http://schemas.microsoft.com/office/drawing/2014/main" id="{16FB0C16-6D74-C946-A707-118689331E5D}"/>
                 </a:ext>
               </a:extLst>
             </p:cNvPr>
@@ -4889,14 +4872,16 @@
           <p:spPr>
             <a:xfrm>
               <a:off x="2020812" y="2269903"/>
-              <a:ext cx="8738628" cy="0"/>
+              <a:ext cx="8925590" cy="0"/>
             </a:xfrm>
             <a:prstGeom prst="line">
               <a:avLst/>
             </a:prstGeom>
             <a:ln>
               <a:solidFill>
-                <a:schemeClr val="accent4"/>
+                <a:schemeClr val="accent2">
+                  <a:lumMod val="75000"/>
+                </a:schemeClr>
               </a:solidFill>
             </a:ln>
           </p:spPr>
@@ -4917,16 +4902,15 @@
         </p:cxnSp>
         <p:cxnSp>
           <p:nvCxnSpPr>
-            <p:cNvPr id="45" name="Straight Arrow Connector 44">
+            <p:cNvPr id="97" name="Straight Arrow Connector 96">
               <a:extLst>
                 <a:ext uri="{FF2B5EF4-FFF2-40B4-BE49-F238E27FC236}">
-                  <a16:creationId xmlns:a16="http://schemas.microsoft.com/office/drawing/2014/main" id="{221ECA6E-3812-AC43-B332-EE53546A14B3}"/>
+                  <a16:creationId xmlns:a16="http://schemas.microsoft.com/office/drawing/2014/main" id="{0664F4BE-1BDC-CE44-B813-F22BD29A3F2D}"/>
                 </a:ext>
               </a:extLst>
             </p:cNvPr>
             <p:cNvCxnSpPr>
               <a:cxnSpLocks/>
-              <a:stCxn id="33" idx="0"/>
             </p:cNvCxnSpPr>
             <p:nvPr/>
           </p:nvCxnSpPr>
@@ -4940,7 +4924,9 @@
             </a:prstGeom>
             <a:ln>
               <a:solidFill>
-                <a:srgbClr val="FFC000"/>
+                <a:schemeClr val="accent2">
+                  <a:lumMod val="75000"/>
+                </a:schemeClr>
               </a:solidFill>
               <a:prstDash val="solid"/>
               <a:headEnd type="triangle"/>
@@ -4964,10 +4950,10 @@
         </p:cxnSp>
         <p:cxnSp>
           <p:nvCxnSpPr>
-            <p:cNvPr id="46" name="Straight Arrow Connector 45">
+            <p:cNvPr id="98" name="Straight Arrow Connector 97">
               <a:extLst>
                 <a:ext uri="{FF2B5EF4-FFF2-40B4-BE49-F238E27FC236}">
-                  <a16:creationId xmlns:a16="http://schemas.microsoft.com/office/drawing/2014/main" id="{CACFC915-B1B2-C941-8561-C4CCE819868E}"/>
+                  <a16:creationId xmlns:a16="http://schemas.microsoft.com/office/drawing/2014/main" id="{572293FB-4E71-A944-931B-D73AFA7482EA}"/>
                 </a:ext>
               </a:extLst>
             </p:cNvPr>
@@ -4986,7 +4972,9 @@
             </a:prstGeom>
             <a:ln>
               <a:solidFill>
-                <a:srgbClr val="FFC000"/>
+                <a:schemeClr val="accent2">
+                  <a:lumMod val="75000"/>
+                </a:schemeClr>
               </a:solidFill>
               <a:prstDash val="solid"/>
               <a:headEnd type="triangle"/>
@@ -5010,10 +4998,10 @@
         </p:cxnSp>
         <p:cxnSp>
           <p:nvCxnSpPr>
-            <p:cNvPr id="47" name="Straight Arrow Connector 46">
+            <p:cNvPr id="99" name="Straight Arrow Connector 98">
               <a:extLst>
                 <a:ext uri="{FF2B5EF4-FFF2-40B4-BE49-F238E27FC236}">
-                  <a16:creationId xmlns:a16="http://schemas.microsoft.com/office/drawing/2014/main" id="{9E9BE1E3-3E40-7B44-9F1E-5C3A9472F77B}"/>
+                  <a16:creationId xmlns:a16="http://schemas.microsoft.com/office/drawing/2014/main" id="{AB96F10E-24F3-4048-B092-B9C674E128D7}"/>
                 </a:ext>
               </a:extLst>
             </p:cNvPr>
@@ -5032,7 +5020,9 @@
             </a:prstGeom>
             <a:ln>
               <a:solidFill>
-                <a:srgbClr val="FFC000"/>
+                <a:schemeClr val="accent2">
+                  <a:lumMod val="75000"/>
+                </a:schemeClr>
               </a:solidFill>
               <a:prstDash val="solid"/>
               <a:headEnd type="triangle"/>
@@ -5056,10 +5046,10 @@
         </p:cxnSp>
         <p:cxnSp>
           <p:nvCxnSpPr>
-            <p:cNvPr id="48" name="Straight Arrow Connector 47">
+            <p:cNvPr id="100" name="Straight Arrow Connector 99">
               <a:extLst>
                 <a:ext uri="{FF2B5EF4-FFF2-40B4-BE49-F238E27FC236}">
-                  <a16:creationId xmlns:a16="http://schemas.microsoft.com/office/drawing/2014/main" id="{C5A5AE5E-B935-824C-A750-C1D2CED887DD}"/>
+                  <a16:creationId xmlns:a16="http://schemas.microsoft.com/office/drawing/2014/main" id="{C1170F2A-6A53-5149-A535-53FDCD2033CA}"/>
                 </a:ext>
               </a:extLst>
             </p:cNvPr>
@@ -5078,7 +5068,9 @@
             </a:prstGeom>
             <a:ln>
               <a:solidFill>
-                <a:srgbClr val="FFC000"/>
+                <a:schemeClr val="accent2">
+                  <a:lumMod val="75000"/>
+                </a:schemeClr>
               </a:solidFill>
               <a:prstDash val="solid"/>
               <a:headEnd type="triangle"/>
@@ -5102,10 +5094,10 @@
         </p:cxnSp>
         <p:cxnSp>
           <p:nvCxnSpPr>
-            <p:cNvPr id="49" name="Straight Arrow Connector 48">
+            <p:cNvPr id="101" name="Straight Arrow Connector 100">
               <a:extLst>
                 <a:ext uri="{FF2B5EF4-FFF2-40B4-BE49-F238E27FC236}">
-                  <a16:creationId xmlns:a16="http://schemas.microsoft.com/office/drawing/2014/main" id="{10D63255-23CF-3441-A9E9-3DC2C3DDB161}"/>
+                  <a16:creationId xmlns:a16="http://schemas.microsoft.com/office/drawing/2014/main" id="{EDDD3B1A-4A20-C945-8023-4B5C402E339E}"/>
                 </a:ext>
               </a:extLst>
             </p:cNvPr>
@@ -5124,7 +5116,9 @@
             </a:prstGeom>
             <a:ln>
               <a:solidFill>
-                <a:srgbClr val="FFC000"/>
+                <a:schemeClr val="accent2">
+                  <a:lumMod val="75000"/>
+                </a:schemeClr>
               </a:solidFill>
               <a:prstDash val="solid"/>
               <a:headEnd type="triangle"/>
@@ -5148,10 +5142,10 @@
         </p:cxnSp>
         <p:cxnSp>
           <p:nvCxnSpPr>
-            <p:cNvPr id="50" name="Straight Arrow Connector 49">
+            <p:cNvPr id="102" name="Straight Arrow Connector 101">
               <a:extLst>
                 <a:ext uri="{FF2B5EF4-FFF2-40B4-BE49-F238E27FC236}">
-                  <a16:creationId xmlns:a16="http://schemas.microsoft.com/office/drawing/2014/main" id="{8E4AEB99-6B2D-044C-88E5-691BBA11913A}"/>
+                  <a16:creationId xmlns:a16="http://schemas.microsoft.com/office/drawing/2014/main" id="{F3FA6957-D0DD-3943-990C-47A3B37F4425}"/>
                 </a:ext>
               </a:extLst>
             </p:cNvPr>
@@ -5170,7 +5164,9 @@
             </a:prstGeom>
             <a:ln>
               <a:solidFill>
-                <a:srgbClr val="FFC000"/>
+                <a:schemeClr val="accent2">
+                  <a:lumMod val="75000"/>
+                </a:schemeClr>
               </a:solidFill>
               <a:prstDash val="solid"/>
               <a:headEnd type="triangle"/>
@@ -5194,10 +5190,10 @@
         </p:cxnSp>
         <p:cxnSp>
           <p:nvCxnSpPr>
-            <p:cNvPr id="51" name="Straight Arrow Connector 50">
+            <p:cNvPr id="103" name="Straight Arrow Connector 102">
               <a:extLst>
                 <a:ext uri="{FF2B5EF4-FFF2-40B4-BE49-F238E27FC236}">
-                  <a16:creationId xmlns:a16="http://schemas.microsoft.com/office/drawing/2014/main" id="{C7475780-2D96-154D-BFE3-B4AF42EF2F78}"/>
+                  <a16:creationId xmlns:a16="http://schemas.microsoft.com/office/drawing/2014/main" id="{7C1A265F-7F00-E045-BD9D-68B4EC19B536}"/>
                 </a:ext>
               </a:extLst>
             </p:cNvPr>
@@ -5208,15 +5204,17 @@
           </p:nvCxnSpPr>
           <p:spPr>
             <a:xfrm flipV="1">
-              <a:off x="10759440" y="2252061"/>
-              <a:ext cx="0" cy="422908"/>
+              <a:off x="10946402" y="2269709"/>
+              <a:ext cx="0" cy="413103"/>
             </a:xfrm>
             <a:prstGeom prst="straightConnector1">
               <a:avLst/>
             </a:prstGeom>
             <a:ln>
               <a:solidFill>
-                <a:srgbClr val="FFC000"/>
+                <a:schemeClr val="accent2">
+                  <a:lumMod val="75000"/>
+                </a:schemeClr>
               </a:solidFill>
               <a:prstDash val="solid"/>
               <a:headEnd type="triangle"/>
@@ -5240,10 +5238,10 @@
         </p:cxnSp>
         <p:cxnSp>
           <p:nvCxnSpPr>
-            <p:cNvPr id="52" name="Straight Arrow Connector 51">
+            <p:cNvPr id="104" name="Straight Arrow Connector 103">
               <a:extLst>
                 <a:ext uri="{FF2B5EF4-FFF2-40B4-BE49-F238E27FC236}">
-                  <a16:creationId xmlns:a16="http://schemas.microsoft.com/office/drawing/2014/main" id="{42CA69C6-092A-1244-BB3D-D09A77840E9E}"/>
+                  <a16:creationId xmlns:a16="http://schemas.microsoft.com/office/drawing/2014/main" id="{FDA81B9E-4740-9546-BE82-9CF34E3CEDE6}"/>
                 </a:ext>
               </a:extLst>
             </p:cNvPr>
@@ -5262,7 +5260,9 @@
             </a:prstGeom>
             <a:ln>
               <a:solidFill>
-                <a:srgbClr val="FFC000"/>
+                <a:schemeClr val="accent2">
+                  <a:lumMod val="75000"/>
+                </a:schemeClr>
               </a:solidFill>
               <a:prstDash val="solid"/>
               <a:headEnd type="triangle"/>
@@ -5286,10 +5286,10 @@
         </p:cxnSp>
         <p:cxnSp>
           <p:nvCxnSpPr>
-            <p:cNvPr id="53" name="Straight Arrow Connector 52">
+            <p:cNvPr id="105" name="Straight Arrow Connector 104">
               <a:extLst>
                 <a:ext uri="{FF2B5EF4-FFF2-40B4-BE49-F238E27FC236}">
-                  <a16:creationId xmlns:a16="http://schemas.microsoft.com/office/drawing/2014/main" id="{6C5C7D15-E89F-0049-9092-88CCBC5CC41A}"/>
+                  <a16:creationId xmlns:a16="http://schemas.microsoft.com/office/drawing/2014/main" id="{8EFD8444-8B32-5A40-B69E-6792BB2230A3}"/>
                 </a:ext>
               </a:extLst>
             </p:cNvPr>
@@ -5308,7 +5308,9 @@
             </a:prstGeom>
             <a:ln>
               <a:solidFill>
-                <a:srgbClr val="FFC000"/>
+                <a:schemeClr val="accent2">
+                  <a:lumMod val="75000"/>
+                </a:schemeClr>
               </a:solidFill>
               <a:prstDash val="solid"/>
               <a:headEnd type="triangle"/>
@@ -5332,15 +5334,15 @@
         </p:cxnSp>
         <p:cxnSp>
           <p:nvCxnSpPr>
-            <p:cNvPr id="54" name="Straight Connector 53">
+            <p:cNvPr id="106" name="Straight Connector 105">
               <a:extLst>
                 <a:ext uri="{FF2B5EF4-FFF2-40B4-BE49-F238E27FC236}">
-                  <a16:creationId xmlns:a16="http://schemas.microsoft.com/office/drawing/2014/main" id="{A14153CB-9717-7545-88F4-0412E947A36D}"/>
+                  <a16:creationId xmlns:a16="http://schemas.microsoft.com/office/drawing/2014/main" id="{E80B7A55-A96A-D74C-ADBB-4B9F24AAA594}"/>
                 </a:ext>
               </a:extLst>
             </p:cNvPr>
             <p:cNvCxnSpPr>
-              <a:stCxn id="24" idx="1"/>
+              <a:stCxn id="88" idx="1"/>
             </p:cNvCxnSpPr>
             <p:nvPr/>
           </p:nvCxnSpPr>
@@ -5354,7 +5356,9 @@
             </a:prstGeom>
             <a:ln>
               <a:solidFill>
-                <a:srgbClr val="FFC000"/>
+                <a:schemeClr val="accent2">
+                  <a:lumMod val="75000"/>
+                </a:schemeClr>
               </a:solidFill>
             </a:ln>
           </p:spPr>
@@ -5375,16 +5379,16 @@
         </p:cxnSp>
         <p:cxnSp>
           <p:nvCxnSpPr>
-            <p:cNvPr id="55" name="Straight Arrow Connector 54">
+            <p:cNvPr id="107" name="Straight Arrow Connector 106">
               <a:extLst>
                 <a:ext uri="{FF2B5EF4-FFF2-40B4-BE49-F238E27FC236}">
-                  <a16:creationId xmlns:a16="http://schemas.microsoft.com/office/drawing/2014/main" id="{6D073281-F614-324B-B614-196A044EB9F0}"/>
+                  <a16:creationId xmlns:a16="http://schemas.microsoft.com/office/drawing/2014/main" id="{32D2AC66-BF9D-AC4A-952B-0052557F0AFB}"/>
                 </a:ext>
               </a:extLst>
             </p:cNvPr>
             <p:cNvCxnSpPr>
               <a:cxnSpLocks/>
-              <a:stCxn id="36" idx="1"/>
+              <a:stCxn id="94" idx="1"/>
             </p:cNvCxnSpPr>
             <p:nvPr/>
           </p:nvCxnSpPr>
@@ -5398,7 +5402,9 @@
             </a:prstGeom>
             <a:ln>
               <a:solidFill>
-                <a:srgbClr val="FFC000"/>
+                <a:schemeClr val="accent2">
+                  <a:lumMod val="75000"/>
+                </a:schemeClr>
               </a:solidFill>
               <a:prstDash val="solid"/>
               <a:headEnd type="triangle"/>
@@ -5422,10 +5428,10 @@
         </p:cxnSp>
         <p:cxnSp>
           <p:nvCxnSpPr>
-            <p:cNvPr id="56" name="Straight Connector 55">
+            <p:cNvPr id="108" name="Straight Connector 107">
               <a:extLst>
                 <a:ext uri="{FF2B5EF4-FFF2-40B4-BE49-F238E27FC236}">
-                  <a16:creationId xmlns:a16="http://schemas.microsoft.com/office/drawing/2014/main" id="{1B7437FD-6A12-1A4D-964E-8F87CFAD5EE3}"/>
+                  <a16:creationId xmlns:a16="http://schemas.microsoft.com/office/drawing/2014/main" id="{1274649B-3EFD-2647-B0A7-9AD9BEBB7703}"/>
                 </a:ext>
               </a:extLst>
             </p:cNvPr>
@@ -5444,7 +5450,9 @@
             </a:prstGeom>
             <a:ln>
               <a:solidFill>
-                <a:schemeClr val="accent4"/>
+                <a:schemeClr val="accent2">
+                  <a:lumMod val="75000"/>
+                </a:schemeClr>
               </a:solidFill>
             </a:ln>
           </p:spPr>
@@ -5465,10 +5473,10 @@
         </p:cxnSp>
         <p:cxnSp>
           <p:nvCxnSpPr>
-            <p:cNvPr id="57" name="Elbow Connector 19">
+            <p:cNvPr id="109" name="Elbow Connector 19">
               <a:extLst>
                 <a:ext uri="{FF2B5EF4-FFF2-40B4-BE49-F238E27FC236}">
-                  <a16:creationId xmlns:a16="http://schemas.microsoft.com/office/drawing/2014/main" id="{1324E2B1-88B1-3046-9A67-17AC2BE85750}"/>
+                  <a16:creationId xmlns:a16="http://schemas.microsoft.com/office/drawing/2014/main" id="{1C2A07EC-5FF0-524C-B2F3-BFD114D608F6}"/>
                 </a:ext>
               </a:extLst>
             </p:cNvPr>
@@ -5489,7 +5497,9 @@
             </a:prstGeom>
             <a:ln>
               <a:solidFill>
-                <a:srgbClr val="FFC000"/>
+                <a:schemeClr val="accent2">
+                  <a:lumMod val="75000"/>
+                </a:schemeClr>
               </a:solidFill>
             </a:ln>
           </p:spPr>
@@ -5510,16 +5520,15 @@
         </p:cxnSp>
         <p:cxnSp>
           <p:nvCxnSpPr>
-            <p:cNvPr id="58" name="Straight Connector 57">
+            <p:cNvPr id="110" name="Straight Connector 109">
               <a:extLst>
                 <a:ext uri="{FF2B5EF4-FFF2-40B4-BE49-F238E27FC236}">
-                  <a16:creationId xmlns:a16="http://schemas.microsoft.com/office/drawing/2014/main" id="{E5456C40-36FE-B04B-87D8-FCC7A1D74BE3}"/>
+                  <a16:creationId xmlns:a16="http://schemas.microsoft.com/office/drawing/2014/main" id="{C2FE596C-6BCB-BD4C-A2ED-D1DC892F3685}"/>
                 </a:ext>
               </a:extLst>
             </p:cNvPr>
             <p:cNvCxnSpPr>
               <a:cxnSpLocks/>
-              <a:stCxn id="34" idx="2"/>
             </p:cNvCxnSpPr>
             <p:nvPr/>
           </p:nvCxnSpPr>
@@ -5533,7 +5542,9 @@
             </a:prstGeom>
             <a:ln>
               <a:solidFill>
-                <a:schemeClr val="accent4"/>
+                <a:schemeClr val="accent2">
+                  <a:lumMod val="75000"/>
+                </a:schemeClr>
               </a:solidFill>
             </a:ln>
           </p:spPr>
@@ -5554,10 +5565,10 @@
         </p:cxnSp>
         <p:cxnSp>
           <p:nvCxnSpPr>
-            <p:cNvPr id="59" name="Straight Connector 58">
+            <p:cNvPr id="111" name="Straight Connector 110">
               <a:extLst>
                 <a:ext uri="{FF2B5EF4-FFF2-40B4-BE49-F238E27FC236}">
-                  <a16:creationId xmlns:a16="http://schemas.microsoft.com/office/drawing/2014/main" id="{44BFC6F0-D8FC-6F41-B062-ADCC795A262B}"/>
+                  <a16:creationId xmlns:a16="http://schemas.microsoft.com/office/drawing/2014/main" id="{5E7CFEC8-E7D0-C546-8A3C-3599DF201EB8}"/>
                 </a:ext>
               </a:extLst>
             </p:cNvPr>
@@ -5576,7 +5587,9 @@
             </a:prstGeom>
             <a:ln>
               <a:solidFill>
-                <a:schemeClr val="accent4"/>
+                <a:schemeClr val="accent2">
+                  <a:lumMod val="75000"/>
+                </a:schemeClr>
               </a:solidFill>
             </a:ln>
           </p:spPr>
@@ -5597,10 +5610,10 @@
         </p:cxnSp>
         <p:cxnSp>
           <p:nvCxnSpPr>
-            <p:cNvPr id="60" name="Straight Connector 59">
+            <p:cNvPr id="112" name="Straight Connector 111">
               <a:extLst>
                 <a:ext uri="{FF2B5EF4-FFF2-40B4-BE49-F238E27FC236}">
-                  <a16:creationId xmlns:a16="http://schemas.microsoft.com/office/drawing/2014/main" id="{85F6CABB-C44F-8040-A989-1CD855EDC1E8}"/>
+                  <a16:creationId xmlns:a16="http://schemas.microsoft.com/office/drawing/2014/main" id="{CE086784-E549-1D46-86BD-4EDBCB05CDDF}"/>
                 </a:ext>
               </a:extLst>
             </p:cNvPr>
@@ -5619,7 +5632,9 @@
             </a:prstGeom>
             <a:ln>
               <a:solidFill>
-                <a:schemeClr val="accent4"/>
+                <a:schemeClr val="accent2">
+                  <a:lumMod val="75000"/>
+                </a:schemeClr>
               </a:solidFill>
             </a:ln>
           </p:spPr>
@@ -5640,10 +5655,10 @@
         </p:cxnSp>
         <p:cxnSp>
           <p:nvCxnSpPr>
-            <p:cNvPr id="61" name="Straight Connector 60">
+            <p:cNvPr id="113" name="Straight Connector 112">
               <a:extLst>
                 <a:ext uri="{FF2B5EF4-FFF2-40B4-BE49-F238E27FC236}">
-                  <a16:creationId xmlns:a16="http://schemas.microsoft.com/office/drawing/2014/main" id="{147CE121-236C-3B44-998D-634AC5359EDA}"/>
+                  <a16:creationId xmlns:a16="http://schemas.microsoft.com/office/drawing/2014/main" id="{D03D0418-4B20-6E4D-9CFA-B5B049FBFF2C}"/>
                 </a:ext>
               </a:extLst>
             </p:cNvPr>
@@ -5662,7 +5677,9 @@
             </a:prstGeom>
             <a:ln>
               <a:solidFill>
-                <a:schemeClr val="accent4"/>
+                <a:schemeClr val="accent2">
+                  <a:lumMod val="75000"/>
+                </a:schemeClr>
               </a:solidFill>
             </a:ln>
           </p:spPr>
@@ -5683,10 +5700,10 @@
         </p:cxnSp>
         <p:cxnSp>
           <p:nvCxnSpPr>
-            <p:cNvPr id="62" name="Straight Connector 61">
+            <p:cNvPr id="114" name="Straight Connector 113">
               <a:extLst>
                 <a:ext uri="{FF2B5EF4-FFF2-40B4-BE49-F238E27FC236}">
-                  <a16:creationId xmlns:a16="http://schemas.microsoft.com/office/drawing/2014/main" id="{A94A9D6B-EF65-C14E-8F03-61B84FEB3AFB}"/>
+                  <a16:creationId xmlns:a16="http://schemas.microsoft.com/office/drawing/2014/main" id="{8EBD450F-2EC7-014F-898C-91D6553A60BD}"/>
                 </a:ext>
               </a:extLst>
             </p:cNvPr>
@@ -5705,7 +5722,9 @@
             </a:prstGeom>
             <a:ln>
               <a:solidFill>
-                <a:schemeClr val="accent4"/>
+                <a:schemeClr val="accent2">
+                  <a:lumMod val="75000"/>
+                </a:schemeClr>
               </a:solidFill>
             </a:ln>
           </p:spPr>
@@ -5726,10 +5745,10 @@
         </p:cxnSp>
         <p:cxnSp>
           <p:nvCxnSpPr>
-            <p:cNvPr id="63" name="Straight Connector 62">
+            <p:cNvPr id="115" name="Straight Connector 114">
               <a:extLst>
                 <a:ext uri="{FF2B5EF4-FFF2-40B4-BE49-F238E27FC236}">
-                  <a16:creationId xmlns:a16="http://schemas.microsoft.com/office/drawing/2014/main" id="{4172BE3A-143A-A641-A948-2E199E908FC8}"/>
+                  <a16:creationId xmlns:a16="http://schemas.microsoft.com/office/drawing/2014/main" id="{92F39C8E-675C-8D4B-A203-5CC7AACEE095}"/>
                 </a:ext>
               </a:extLst>
             </p:cNvPr>
@@ -5748,7 +5767,9 @@
             </a:prstGeom>
             <a:ln>
               <a:solidFill>
-                <a:schemeClr val="accent4"/>
+                <a:schemeClr val="accent2">
+                  <a:lumMod val="75000"/>
+                </a:schemeClr>
               </a:solidFill>
             </a:ln>
           </p:spPr>
@@ -5769,10 +5790,10 @@
         </p:cxnSp>
         <p:cxnSp>
           <p:nvCxnSpPr>
-            <p:cNvPr id="64" name="Straight Connector 63">
+            <p:cNvPr id="116" name="Straight Connector 115">
               <a:extLst>
                 <a:ext uri="{FF2B5EF4-FFF2-40B4-BE49-F238E27FC236}">
-                  <a16:creationId xmlns:a16="http://schemas.microsoft.com/office/drawing/2014/main" id="{32ADD46D-72F8-5C4E-A9A0-D0A01F6958CB}"/>
+                  <a16:creationId xmlns:a16="http://schemas.microsoft.com/office/drawing/2014/main" id="{890CF46B-012D-7C4A-91A6-689954CBE765}"/>
                 </a:ext>
               </a:extLst>
             </p:cNvPr>
@@ -5791,7 +5812,9 @@
             </a:prstGeom>
             <a:ln>
               <a:solidFill>
-                <a:schemeClr val="accent4"/>
+                <a:schemeClr val="accent2">
+                  <a:lumMod val="75000"/>
+                </a:schemeClr>
               </a:solidFill>
             </a:ln>
           </p:spPr>
@@ -5812,10 +5835,10 @@
         </p:cxnSp>
         <p:cxnSp>
           <p:nvCxnSpPr>
-            <p:cNvPr id="65" name="Straight Connector 64">
+            <p:cNvPr id="117" name="Straight Connector 116">
               <a:extLst>
                 <a:ext uri="{FF2B5EF4-FFF2-40B4-BE49-F238E27FC236}">
-                  <a16:creationId xmlns:a16="http://schemas.microsoft.com/office/drawing/2014/main" id="{98E8B0B1-BDD6-5446-996E-BF1A453E6B61}"/>
+                  <a16:creationId xmlns:a16="http://schemas.microsoft.com/office/drawing/2014/main" id="{2635D484-B53D-234F-A8F4-0C836991DD88}"/>
                 </a:ext>
               </a:extLst>
             </p:cNvPr>
@@ -5834,7 +5857,9 @@
             </a:prstGeom>
             <a:ln>
               <a:solidFill>
-                <a:schemeClr val="accent4"/>
+                <a:schemeClr val="accent2">
+                  <a:lumMod val="75000"/>
+                </a:schemeClr>
               </a:solidFill>
             </a:ln>
           </p:spPr>
@@ -5855,16 +5880,15 @@
         </p:cxnSp>
         <p:cxnSp>
           <p:nvCxnSpPr>
-            <p:cNvPr id="66" name="Straight Arrow Connector 65">
+            <p:cNvPr id="118" name="Straight Arrow Connector 117">
               <a:extLst>
                 <a:ext uri="{FF2B5EF4-FFF2-40B4-BE49-F238E27FC236}">
-                  <a16:creationId xmlns:a16="http://schemas.microsoft.com/office/drawing/2014/main" id="{8E730AA1-480A-0749-904D-12A819E8FB42}"/>
+                  <a16:creationId xmlns:a16="http://schemas.microsoft.com/office/drawing/2014/main" id="{39E8647F-169F-AC44-81FF-36A1A2032303}"/>
                 </a:ext>
               </a:extLst>
             </p:cNvPr>
             <p:cNvCxnSpPr>
               <a:cxnSpLocks/>
-              <a:stCxn id="31" idx="0"/>
             </p:cNvCxnSpPr>
             <p:nvPr/>
           </p:nvCxnSpPr>
@@ -5878,7 +5902,9 @@
             </a:prstGeom>
             <a:ln>
               <a:solidFill>
-                <a:srgbClr val="FFC000"/>
+                <a:schemeClr val="accent2">
+                  <a:lumMod val="75000"/>
+                </a:schemeClr>
               </a:solidFill>
               <a:prstDash val="solid"/>
               <a:headEnd type="triangle"/>
@@ -5902,10 +5928,10 @@
         </p:cxnSp>
         <p:sp>
           <p:nvSpPr>
-            <p:cNvPr id="67" name="TextBox 66">
+            <p:cNvPr id="119" name="TextBox 118">
               <a:extLst>
                 <a:ext uri="{FF2B5EF4-FFF2-40B4-BE49-F238E27FC236}">
-                  <a16:creationId xmlns:a16="http://schemas.microsoft.com/office/drawing/2014/main" id="{6958ECB4-67C2-3C49-A3FA-E46925C818AE}"/>
+                  <a16:creationId xmlns:a16="http://schemas.microsoft.com/office/drawing/2014/main" id="{646C9411-2138-F143-96E7-CC1189A1188C}"/>
                 </a:ext>
               </a:extLst>
             </p:cNvPr>
@@ -5914,7 +5940,7 @@
           </p:nvSpPr>
           <p:spPr>
             <a:xfrm>
-              <a:off x="1375082" y="264953"/>
+              <a:off x="1303421" y="248117"/>
               <a:ext cx="2204963" cy="369332"/>
             </a:xfrm>
             <a:prstGeom prst="rect">
@@ -5929,7 +5955,7 @@
             <a:lstStyle/>
             <a:p>
               <a:r>
-                <a:rPr lang="en-US" b="1" dirty="0"/>
+                <a:rPr lang="en-US" b="1"/>
                 <a:t>Logic, Parser Package</a:t>
               </a:r>
             </a:p>
@@ -5937,10 +5963,10 @@
         </p:sp>
         <p:cxnSp>
           <p:nvCxnSpPr>
-            <p:cNvPr id="68" name="Straight Connector 67">
+            <p:cNvPr id="120" name="Straight Connector 119">
               <a:extLst>
                 <a:ext uri="{FF2B5EF4-FFF2-40B4-BE49-F238E27FC236}">
-                  <a16:creationId xmlns:a16="http://schemas.microsoft.com/office/drawing/2014/main" id="{3F46451A-140A-AD4D-ADF4-916213969F38}"/>
+                  <a16:creationId xmlns:a16="http://schemas.microsoft.com/office/drawing/2014/main" id="{3359F601-3714-EF4C-B102-2F6F103592C2}"/>
                 </a:ext>
               </a:extLst>
             </p:cNvPr>
@@ -5959,7 +5985,9 @@
             </a:prstGeom>
             <a:ln>
               <a:solidFill>
-                <a:srgbClr val="FFC000"/>
+                <a:schemeClr val="accent2">
+                  <a:lumMod val="75000"/>
+                </a:schemeClr>
               </a:solidFill>
             </a:ln>
           </p:spPr>
@@ -5980,10 +6008,10 @@
         </p:cxnSp>
         <p:cxnSp>
           <p:nvCxnSpPr>
-            <p:cNvPr id="69" name="Straight Arrow Connector 68">
+            <p:cNvPr id="121" name="Straight Arrow Connector 120">
               <a:extLst>
                 <a:ext uri="{FF2B5EF4-FFF2-40B4-BE49-F238E27FC236}">
-                  <a16:creationId xmlns:a16="http://schemas.microsoft.com/office/drawing/2014/main" id="{54DBA395-56FF-F441-AEB2-C1DDA1225D24}"/>
+                  <a16:creationId xmlns:a16="http://schemas.microsoft.com/office/drawing/2014/main" id="{AB7CC90E-3450-8C4F-9871-1277102A7A56}"/>
                 </a:ext>
               </a:extLst>
             </p:cNvPr>
@@ -5994,15 +6022,17 @@
           </p:nvCxnSpPr>
           <p:spPr>
             <a:xfrm flipV="1">
-              <a:off x="2716779" y="5744481"/>
-              <a:ext cx="0" cy="299919"/>
+              <a:off x="6532180" y="5744480"/>
+              <a:ext cx="0" cy="304390"/>
             </a:xfrm>
             <a:prstGeom prst="straightConnector1">
               <a:avLst/>
             </a:prstGeom>
             <a:ln>
               <a:solidFill>
-                <a:srgbClr val="FFC000"/>
+                <a:schemeClr val="accent2">
+                  <a:lumMod val="75000"/>
+                </a:schemeClr>
               </a:solidFill>
               <a:prstDash val="solid"/>
               <a:headEnd type="triangle"/>
@@ -6026,10 +6056,10 @@
         </p:cxnSp>
         <p:cxnSp>
           <p:nvCxnSpPr>
-            <p:cNvPr id="70" name="Straight Connector 69">
+            <p:cNvPr id="122" name="Straight Connector 121">
               <a:extLst>
                 <a:ext uri="{FF2B5EF4-FFF2-40B4-BE49-F238E27FC236}">
-                  <a16:creationId xmlns:a16="http://schemas.microsoft.com/office/drawing/2014/main" id="{155B9615-901C-D24C-95B6-0BEE897B4D4B}"/>
+                  <a16:creationId xmlns:a16="http://schemas.microsoft.com/office/drawing/2014/main" id="{1E7B5D31-82CE-4147-A8D5-90C3D55494B0}"/>
                 </a:ext>
               </a:extLst>
             </p:cNvPr>
@@ -6040,15 +6070,17 @@
           </p:nvCxnSpPr>
           <p:spPr>
             <a:xfrm flipH="1">
-              <a:off x="1291580" y="5744480"/>
-              <a:ext cx="1425199" cy="1"/>
+              <a:off x="1291581" y="5744480"/>
+              <a:ext cx="5240599" cy="1"/>
             </a:xfrm>
             <a:prstGeom prst="line">
               <a:avLst/>
             </a:prstGeom>
             <a:ln>
               <a:solidFill>
-                <a:srgbClr val="FFC000"/>
+                <a:schemeClr val="accent2">
+                  <a:lumMod val="75000"/>
+                </a:schemeClr>
               </a:solidFill>
             </a:ln>
           </p:spPr>
@@ -6069,16 +6101,15 @@
         </p:cxnSp>
         <p:cxnSp>
           <p:nvCxnSpPr>
-            <p:cNvPr id="71" name="Straight Connector 70">
+            <p:cNvPr id="123" name="Straight Connector 122">
               <a:extLst>
                 <a:ext uri="{FF2B5EF4-FFF2-40B4-BE49-F238E27FC236}">
-                  <a16:creationId xmlns:a16="http://schemas.microsoft.com/office/drawing/2014/main" id="{D4C6A436-1652-3E4A-AB30-03D9CEF936C3}"/>
+                  <a16:creationId xmlns:a16="http://schemas.microsoft.com/office/drawing/2014/main" id="{DD6C54A0-E95B-0E4E-953B-A8992231C324}"/>
                 </a:ext>
               </a:extLst>
             </p:cNvPr>
             <p:cNvCxnSpPr>
               <a:cxnSpLocks/>
-              <a:endCxn id="26" idx="2"/>
             </p:cNvCxnSpPr>
             <p:nvPr/>
           </p:nvCxnSpPr>
@@ -6092,7 +6123,9 @@
             </a:prstGeom>
             <a:ln>
               <a:solidFill>
-                <a:srgbClr val="FFC000"/>
+                <a:schemeClr val="accent2">
+                  <a:lumMod val="75000"/>
+                </a:schemeClr>
               </a:solidFill>
             </a:ln>
           </p:spPr>
@@ -6113,10 +6146,10 @@
         </p:cxnSp>
         <p:cxnSp>
           <p:nvCxnSpPr>
-            <p:cNvPr id="72" name="Straight Connector 71">
+            <p:cNvPr id="124" name="Straight Connector 123">
               <a:extLst>
                 <a:ext uri="{FF2B5EF4-FFF2-40B4-BE49-F238E27FC236}">
-                  <a16:creationId xmlns:a16="http://schemas.microsoft.com/office/drawing/2014/main" id="{9B90F721-A5B8-204B-BB66-1998FB24DE57}"/>
+                  <a16:creationId xmlns:a16="http://schemas.microsoft.com/office/drawing/2014/main" id="{BA044FA7-A78E-C647-B30E-DBF666135733}"/>
                 </a:ext>
               </a:extLst>
             </p:cNvPr>
@@ -6135,7 +6168,9 @@
             </a:prstGeom>
             <a:ln>
               <a:solidFill>
-                <a:srgbClr val="FFC000"/>
+                <a:schemeClr val="accent2">
+                  <a:lumMod val="75000"/>
+                </a:schemeClr>
               </a:solidFill>
             </a:ln>
           </p:spPr>

--- a/docs/diagrams/HighLevelLogicParser.pptx
+++ b/docs/diagrams/HighLevelLogicParser.pptx
@@ -261,7 +261,7 @@
           <a:p>
             <a:fld id="{7C26C74D-6DF6-6B4D-B084-5898D6865C96}" type="datetimeFigureOut">
               <a:rPr lang="en-US" smtClean="0"/>
-              <a:t>10/31/19</a:t>
+              <a:t>11/8/19</a:t>
             </a:fld>
             <a:endParaRPr lang="en-US"/>
           </a:p>
@@ -461,7 +461,7 @@
           <a:p>
             <a:fld id="{7C26C74D-6DF6-6B4D-B084-5898D6865C96}" type="datetimeFigureOut">
               <a:rPr lang="en-US" smtClean="0"/>
-              <a:t>10/31/19</a:t>
+              <a:t>11/8/19</a:t>
             </a:fld>
             <a:endParaRPr lang="en-US"/>
           </a:p>
@@ -671,7 +671,7 @@
           <a:p>
             <a:fld id="{7C26C74D-6DF6-6B4D-B084-5898D6865C96}" type="datetimeFigureOut">
               <a:rPr lang="en-US" smtClean="0"/>
-              <a:t>10/31/19</a:t>
+              <a:t>11/8/19</a:t>
             </a:fld>
             <a:endParaRPr lang="en-US"/>
           </a:p>
@@ -871,7 +871,7 @@
           <a:p>
             <a:fld id="{7C26C74D-6DF6-6B4D-B084-5898D6865C96}" type="datetimeFigureOut">
               <a:rPr lang="en-US" smtClean="0"/>
-              <a:t>10/31/19</a:t>
+              <a:t>11/8/19</a:t>
             </a:fld>
             <a:endParaRPr lang="en-US"/>
           </a:p>
@@ -1147,7 +1147,7 @@
           <a:p>
             <a:fld id="{7C26C74D-6DF6-6B4D-B084-5898D6865C96}" type="datetimeFigureOut">
               <a:rPr lang="en-US" smtClean="0"/>
-              <a:t>10/31/19</a:t>
+              <a:t>11/8/19</a:t>
             </a:fld>
             <a:endParaRPr lang="en-US"/>
           </a:p>
@@ -1415,7 +1415,7 @@
           <a:p>
             <a:fld id="{7C26C74D-6DF6-6B4D-B084-5898D6865C96}" type="datetimeFigureOut">
               <a:rPr lang="en-US" smtClean="0"/>
-              <a:t>10/31/19</a:t>
+              <a:t>11/8/19</a:t>
             </a:fld>
             <a:endParaRPr lang="en-US"/>
           </a:p>
@@ -1830,7 +1830,7 @@
           <a:p>
             <a:fld id="{7C26C74D-6DF6-6B4D-B084-5898D6865C96}" type="datetimeFigureOut">
               <a:rPr lang="en-US" smtClean="0"/>
-              <a:t>10/31/19</a:t>
+              <a:t>11/8/19</a:t>
             </a:fld>
             <a:endParaRPr lang="en-US"/>
           </a:p>
@@ -1972,7 +1972,7 @@
           <a:p>
             <a:fld id="{7C26C74D-6DF6-6B4D-B084-5898D6865C96}" type="datetimeFigureOut">
               <a:rPr lang="en-US" smtClean="0"/>
-              <a:t>10/31/19</a:t>
+              <a:t>11/8/19</a:t>
             </a:fld>
             <a:endParaRPr lang="en-US"/>
           </a:p>
@@ -2085,7 +2085,7 @@
           <a:p>
             <a:fld id="{7C26C74D-6DF6-6B4D-B084-5898D6865C96}" type="datetimeFigureOut">
               <a:rPr lang="en-US" smtClean="0"/>
-              <a:t>10/31/19</a:t>
+              <a:t>11/8/19</a:t>
             </a:fld>
             <a:endParaRPr lang="en-US"/>
           </a:p>
@@ -2398,7 +2398,7 @@
           <a:p>
             <a:fld id="{7C26C74D-6DF6-6B4D-B084-5898D6865C96}" type="datetimeFigureOut">
               <a:rPr lang="en-US" smtClean="0"/>
-              <a:t>10/31/19</a:t>
+              <a:t>11/8/19</a:t>
             </a:fld>
             <a:endParaRPr lang="en-US"/>
           </a:p>
@@ -2687,7 +2687,7 @@
           <a:p>
             <a:fld id="{7C26C74D-6DF6-6B4D-B084-5898D6865C96}" type="datetimeFigureOut">
               <a:rPr lang="en-US" smtClean="0"/>
-              <a:t>10/31/19</a:t>
+              <a:t>11/8/19</a:t>
             </a:fld>
             <a:endParaRPr lang="en-US"/>
           </a:p>
@@ -2930,7 +2930,7 @@
           <a:p>
             <a:fld id="{7C26C74D-6DF6-6B4D-B084-5898D6865C96}" type="datetimeFigureOut">
               <a:rPr lang="en-US" smtClean="0"/>
-              <a:t>10/31/19</a:t>
+              <a:t>11/8/19</a:t>
             </a:fld>
             <a:endParaRPr lang="en-US"/>
           </a:p>
@@ -3509,8 +3509,8 @@
           </p:nvSpPr>
           <p:spPr>
             <a:xfrm>
-              <a:off x="1556046" y="654415"/>
-              <a:ext cx="1982688" cy="345869"/>
+              <a:off x="1556046" y="617449"/>
+              <a:ext cx="1982688" cy="382835"/>
             </a:xfrm>
             <a:prstGeom prst="roundRect">
               <a:avLst>
@@ -3834,7 +3834,7 @@
             <a:p>
               <a:pPr algn="ctr"/>
               <a:r>
-                <a:rPr lang="en-US" sz="1300" err="1">
+                <a:rPr lang="en-US" sz="1300" dirty="0" err="1">
                   <a:solidFill>
                     <a:schemeClr val="tx1"/>
                   </a:solidFill>
@@ -3843,7 +3843,7 @@
                 </a:rPr>
                 <a:t>ParseTransfer</a:t>
               </a:r>
-              <a:endParaRPr lang="en-US" sz="1300">
+              <a:endParaRPr lang="en-US" sz="1300" dirty="0">
                 <a:solidFill>
                   <a:schemeClr val="tx1"/>
                 </a:solidFill>
@@ -6190,6 +6190,126 @@
           </p:style>
         </p:cxnSp>
       </p:grpSp>
+      <p:sp>
+        <p:nvSpPr>
+          <p:cNvPr id="54" name="Rounded Rectangle 53">
+            <a:extLst>
+              <a:ext uri="{FF2B5EF4-FFF2-40B4-BE49-F238E27FC236}">
+                <a16:creationId xmlns:a16="http://schemas.microsoft.com/office/drawing/2014/main" id="{B38A4126-BEDC-3E4C-B2A3-BA70318328FF}"/>
+              </a:ext>
+            </a:extLst>
+          </p:cNvPr>
+          <p:cNvSpPr/>
+          <p:nvPr/>
+        </p:nvSpPr>
+        <p:spPr>
+          <a:xfrm>
+            <a:off x="5110112" y="3281049"/>
+            <a:ext cx="1376485" cy="441809"/>
+          </a:xfrm>
+          <a:prstGeom prst="roundRect">
+            <a:avLst>
+              <a:gd name="adj" fmla="val 0"/>
+            </a:avLst>
+          </a:prstGeom>
+          <a:solidFill>
+            <a:srgbClr val="FFC000"/>
+          </a:solidFill>
+          <a:ln>
+            <a:solidFill>
+              <a:srgbClr val="FFC000"/>
+            </a:solidFill>
+          </a:ln>
+        </p:spPr>
+        <p:style>
+          <a:lnRef idx="2">
+            <a:schemeClr val="accent1">
+              <a:shade val="50000"/>
+            </a:schemeClr>
+          </a:lnRef>
+          <a:fillRef idx="1">
+            <a:schemeClr val="accent1"/>
+          </a:fillRef>
+          <a:effectRef idx="0">
+            <a:schemeClr val="accent1"/>
+          </a:effectRef>
+          <a:fontRef idx="minor">
+            <a:schemeClr val="lt1"/>
+          </a:fontRef>
+        </p:style>
+        <p:txBody>
+          <a:bodyPr rtlCol="0" anchor="ctr"/>
+          <a:lstStyle/>
+          <a:p>
+            <a:pPr algn="ctr"/>
+            <a:r>
+              <a:rPr lang="en-US" sz="1300" dirty="0" err="1">
+                <a:solidFill>
+                  <a:schemeClr val="tx1"/>
+                </a:solidFill>
+                <a:latin typeface="Arial" panose="020B0604020202020204" pitchFamily="34" charset="0"/>
+                <a:cs typeface="Arial" panose="020B0604020202020204" pitchFamily="34" charset="0"/>
+              </a:rPr>
+              <a:t>ParseEditProfile</a:t>
+            </a:r>
+            <a:endParaRPr lang="en-US" sz="1300" dirty="0">
+              <a:solidFill>
+                <a:schemeClr val="tx1"/>
+              </a:solidFill>
+              <a:latin typeface="Arial" panose="020B0604020202020204" pitchFamily="34" charset="0"/>
+              <a:cs typeface="Arial" panose="020B0604020202020204" pitchFamily="34" charset="0"/>
+            </a:endParaRPr>
+          </a:p>
+        </p:txBody>
+      </p:sp>
+      <p:cxnSp>
+        <p:nvCxnSpPr>
+          <p:cNvPr id="3" name="Straight Connector 2">
+            <a:extLst>
+              <a:ext uri="{FF2B5EF4-FFF2-40B4-BE49-F238E27FC236}">
+                <a16:creationId xmlns:a16="http://schemas.microsoft.com/office/drawing/2014/main" id="{04C88FA8-E729-AE4D-9A14-503521C01C72}"/>
+              </a:ext>
+            </a:extLst>
+          </p:cNvPr>
+          <p:cNvCxnSpPr>
+            <a:cxnSpLocks/>
+            <a:endCxn id="54" idx="0"/>
+          </p:cNvCxnSpPr>
+          <p:nvPr/>
+        </p:nvCxnSpPr>
+        <p:spPr>
+          <a:xfrm>
+            <a:off x="5798355" y="2269709"/>
+            <a:ext cx="0" cy="1011340"/>
+          </a:xfrm>
+          <a:prstGeom prst="line">
+            <a:avLst/>
+          </a:prstGeom>
+          <a:ln>
+            <a:solidFill>
+              <a:schemeClr val="accent2">
+                <a:lumMod val="75000"/>
+              </a:schemeClr>
+            </a:solidFill>
+            <a:headEnd type="none"/>
+            <a:tailEnd type="triangle"/>
+          </a:ln>
+        </p:spPr>
+        <p:style>
+          <a:lnRef idx="1">
+            <a:schemeClr val="accent1"/>
+          </a:lnRef>
+          <a:fillRef idx="0">
+            <a:schemeClr val="accent1"/>
+          </a:fillRef>
+          <a:effectRef idx="0">
+            <a:schemeClr val="accent1"/>
+          </a:effectRef>
+          <a:fontRef idx="minor">
+            <a:schemeClr val="tx1"/>
+          </a:fontRef>
+        </p:style>
+      </p:cxnSp>
     </p:spTree>
     <p:extLst>
       <p:ext uri="{BB962C8B-B14F-4D97-AF65-F5344CB8AC3E}">

--- a/docs/diagrams/HighLevelLogicParser.pptx
+++ b/docs/diagrams/HighLevelLogicParser.pptx
@@ -3796,7 +3796,7 @@
           <p:spPr>
             <a:xfrm>
               <a:off x="2155159" y="3282814"/>
-              <a:ext cx="1291460" cy="441809"/>
+              <a:ext cx="1291460" cy="395369"/>
             </a:xfrm>
             <a:prstGeom prst="roundRect">
               <a:avLst>
@@ -4069,7 +4069,7 @@
             <a:p>
               <a:pPr algn="ctr"/>
               <a:r>
-                <a:rPr lang="en-US" sz="1300">
+                <a:rPr lang="en-US" sz="1300" dirty="0">
                   <a:solidFill>
                     <a:schemeClr val="tx1"/>
                   </a:solidFill>
@@ -4082,7 +4082,7 @@
             <a:p>
               <a:pPr algn="ctr"/>
               <a:r>
-                <a:rPr lang="en-US" sz="1300" err="1">
+                <a:rPr lang="en-US" sz="1300" dirty="0" err="1">
                   <a:solidFill>
                     <a:schemeClr val="tx1"/>
                   </a:solidFill>
@@ -4091,7 +4091,7 @@
                 </a:rPr>
                 <a:t>ParseExpenditure</a:t>
               </a:r>
-              <a:endParaRPr lang="en-US" sz="1300">
+              <a:endParaRPr lang="en-US" sz="1300" dirty="0">
                 <a:solidFill>
                   <a:schemeClr val="tx1"/>
                 </a:solidFill>
@@ -4357,7 +4357,7 @@
           <p:spPr>
             <a:xfrm>
               <a:off x="9654942" y="3281050"/>
-              <a:ext cx="1291460" cy="441809"/>
+              <a:ext cx="1291460" cy="397131"/>
             </a:xfrm>
             <a:prstGeom prst="roundRect">
               <a:avLst>
@@ -4395,7 +4395,7 @@
             <a:p>
               <a:pPr algn="ctr"/>
               <a:r>
-                <a:rPr lang="en-US" sz="1300">
+                <a:rPr lang="en-US" sz="1300" dirty="0">
                   <a:solidFill>
                     <a:schemeClr val="tx1"/>
                   </a:solidFill>
@@ -4405,7 +4405,7 @@
                 <a:t>{abstract}</a:t>
               </a:r>
               <a:br>
-                <a:rPr lang="en-US" sz="1300">
+                <a:rPr lang="en-US" sz="1300" dirty="0">
                   <a:solidFill>
                     <a:schemeClr val="tx1"/>
                   </a:solidFill>
@@ -4414,7 +4414,7 @@
                 </a:rPr>
               </a:br>
               <a:r>
-                <a:rPr lang="en-US" sz="1300" err="1">
+                <a:rPr lang="en-US" sz="1300" dirty="0" err="1">
                   <a:solidFill>
                     <a:schemeClr val="tx1"/>
                   </a:solidFill>
@@ -4423,7 +4423,7 @@
                 </a:rPr>
                 <a:t>ParseBond</a:t>
               </a:r>
-              <a:endParaRPr lang="en-US" sz="1300">
+              <a:endParaRPr lang="en-US" sz="1300" dirty="0">
                 <a:solidFill>
                   <a:schemeClr val="tx1"/>
                 </a:solidFill>
@@ -6205,7 +6205,7 @@
         <p:spPr>
           <a:xfrm>
             <a:off x="5110112" y="3281049"/>
-            <a:ext cx="1376485" cy="441809"/>
+            <a:ext cx="1376485" cy="397917"/>
           </a:xfrm>
           <a:prstGeom prst="roundRect">
             <a:avLst>
@@ -6273,14 +6273,146 @@
           </p:cNvPr>
           <p:cNvCxnSpPr>
             <a:cxnSpLocks/>
-            <a:endCxn id="54" idx="0"/>
           </p:cNvCxnSpPr>
           <p:nvPr/>
         </p:nvCxnSpPr>
         <p:spPr>
           <a:xfrm>
-            <a:off x="5798355" y="2269709"/>
+            <a:off x="5831529" y="2279991"/>
             <a:ext cx="0" cy="1011340"/>
+          </a:xfrm>
+          <a:prstGeom prst="line">
+            <a:avLst/>
+          </a:prstGeom>
+          <a:ln>
+            <a:solidFill>
+              <a:schemeClr val="accent2">
+                <a:lumMod val="75000"/>
+              </a:schemeClr>
+            </a:solidFill>
+            <a:headEnd type="none"/>
+            <a:tailEnd type="triangle"/>
+          </a:ln>
+        </p:spPr>
+        <p:style>
+          <a:lnRef idx="1">
+            <a:schemeClr val="accent1"/>
+          </a:lnRef>
+          <a:fillRef idx="0">
+            <a:schemeClr val="accent1"/>
+          </a:fillRef>
+          <a:effectRef idx="0">
+            <a:schemeClr val="accent1"/>
+          </a:effectRef>
+          <a:fontRef idx="minor">
+            <a:schemeClr val="tx1"/>
+          </a:fontRef>
+        </p:style>
+      </p:cxnSp>
+      <p:sp>
+        <p:nvSpPr>
+          <p:cNvPr id="56" name="Rounded Rectangle 44">
+            <a:extLst>
+              <a:ext uri="{FF2B5EF4-FFF2-40B4-BE49-F238E27FC236}">
+                <a16:creationId xmlns:a16="http://schemas.microsoft.com/office/drawing/2014/main" id="{6D97332C-2E5C-5646-9B6D-19672854F65C}"/>
+              </a:ext>
+            </a:extLst>
+          </p:cNvPr>
+          <p:cNvSpPr/>
+          <p:nvPr/>
+        </p:nvSpPr>
+        <p:spPr>
+          <a:xfrm>
+            <a:off x="6615504" y="3281049"/>
+            <a:ext cx="1291460" cy="397918"/>
+          </a:xfrm>
+          <a:prstGeom prst="roundRect">
+            <a:avLst>
+              <a:gd name="adj" fmla="val 0"/>
+            </a:avLst>
+          </a:prstGeom>
+          <a:solidFill>
+            <a:srgbClr val="FFC000"/>
+          </a:solidFill>
+          <a:ln>
+            <a:solidFill>
+              <a:srgbClr val="FFC000"/>
+            </a:solidFill>
+          </a:ln>
+        </p:spPr>
+        <p:style>
+          <a:lnRef idx="2">
+            <a:schemeClr val="accent1">
+              <a:shade val="50000"/>
+            </a:schemeClr>
+          </a:lnRef>
+          <a:fillRef idx="1">
+            <a:schemeClr val="accent1"/>
+          </a:fillRef>
+          <a:effectRef idx="0">
+            <a:schemeClr val="accent1"/>
+          </a:effectRef>
+          <a:fontRef idx="minor">
+            <a:schemeClr val="lt1"/>
+          </a:fontRef>
+        </p:style>
+        <p:txBody>
+          <a:bodyPr rtlCol="0" anchor="ctr"/>
+          <a:lstStyle/>
+          <a:p>
+            <a:pPr algn="ctr"/>
+            <a:r>
+              <a:rPr lang="en-US" sz="1300" dirty="0">
+                <a:solidFill>
+                  <a:schemeClr val="tx1"/>
+                </a:solidFill>
+                <a:latin typeface="Arial" panose="020B0604020202020204" pitchFamily="34" charset="0"/>
+                <a:cs typeface="Arial" panose="020B0604020202020204" pitchFamily="34" charset="0"/>
+              </a:rPr>
+              <a:t>{abstract}</a:t>
+            </a:r>
+          </a:p>
+          <a:p>
+            <a:pPr algn="ctr"/>
+            <a:r>
+              <a:rPr lang="en-US" sz="1300" dirty="0" err="1">
+                <a:solidFill>
+                  <a:schemeClr val="tx1"/>
+                </a:solidFill>
+                <a:latin typeface="Arial" panose="020B0604020202020204" pitchFamily="34" charset="0"/>
+                <a:cs typeface="Arial" panose="020B0604020202020204" pitchFamily="34" charset="0"/>
+              </a:rPr>
+              <a:t>ParseCardBill</a:t>
+            </a:r>
+            <a:endParaRPr lang="en-US" sz="1300" dirty="0">
+              <a:solidFill>
+                <a:schemeClr val="tx1"/>
+              </a:solidFill>
+              <a:latin typeface="Arial" panose="020B0604020202020204" pitchFamily="34" charset="0"/>
+              <a:cs typeface="Arial" panose="020B0604020202020204" pitchFamily="34" charset="0"/>
+            </a:endParaRPr>
+          </a:p>
+        </p:txBody>
+      </p:sp>
+      <p:cxnSp>
+        <p:nvCxnSpPr>
+          <p:cNvPr id="57" name="Straight Connector 56">
+            <a:extLst>
+              <a:ext uri="{FF2B5EF4-FFF2-40B4-BE49-F238E27FC236}">
+                <a16:creationId xmlns:a16="http://schemas.microsoft.com/office/drawing/2014/main" id="{42C08B15-ABEF-D948-A86D-1DFE5488B42C}"/>
+              </a:ext>
+            </a:extLst>
+          </p:cNvPr>
+          <p:cNvCxnSpPr>
+            <a:cxnSpLocks/>
+            <a:endCxn id="56" idx="0"/>
+          </p:cNvCxnSpPr>
+          <p:nvPr/>
+        </p:nvCxnSpPr>
+        <p:spPr>
+          <a:xfrm>
+            <a:off x="7261207" y="2278997"/>
+            <a:ext cx="27" cy="1002052"/>
           </a:xfrm>
           <a:prstGeom prst="line">
             <a:avLst/>
